--- a/figs/risk_analysis.pptx
+++ b/figs/risk_analysis.pptx
@@ -236,9 +236,9 @@
           <a:bodyPr/>
           <a:lstStyle/>
           <a:p>
-            <a:fld id="{AD094B96-94F4-4F44-BA5E-A5E6C0C2F952}" type="datetimeFigureOut">
+            <a:fld id="{AA32D7E7-A336-4611-81C5-CBC0FE39C662}" type="datetimeFigureOut">
               <a:rPr lang="en-US" smtClean="0"/>
-              <a:t>7/29/2015</a:t>
+              <a:t>8/12/2015</a:t>
             </a:fld>
             <a:endParaRPr lang="en-US"/>
           </a:p>
@@ -278,7 +278,7 @@
           <a:bodyPr/>
           <a:lstStyle/>
           <a:p>
-            <a:fld id="{8E4DB991-2710-491C-8C50-CD4946C52E37}" type="slidenum">
+            <a:fld id="{57ED0C27-8729-46FE-8D14-4E664C2BD7BE}" type="slidenum">
               <a:rPr lang="en-US" smtClean="0"/>
               <a:t>‹#›</a:t>
             </a:fld>
@@ -289,7 +289,7 @@
     </p:spTree>
     <p:extLst>
       <p:ext uri="{BB962C8B-B14F-4D97-AF65-F5344CB8AC3E}">
-        <p14:creationId xmlns:p14="http://schemas.microsoft.com/office/powerpoint/2010/main" val="3802368744"/>
+        <p14:creationId xmlns:p14="http://schemas.microsoft.com/office/powerpoint/2010/main" val="3775633662"/>
       </p:ext>
     </p:extLst>
   </p:cSld>
@@ -406,9 +406,9 @@
           <a:bodyPr/>
           <a:lstStyle/>
           <a:p>
-            <a:fld id="{AD094B96-94F4-4F44-BA5E-A5E6C0C2F952}" type="datetimeFigureOut">
+            <a:fld id="{AA32D7E7-A336-4611-81C5-CBC0FE39C662}" type="datetimeFigureOut">
               <a:rPr lang="en-US" smtClean="0"/>
-              <a:t>7/29/2015</a:t>
+              <a:t>8/12/2015</a:t>
             </a:fld>
             <a:endParaRPr lang="en-US"/>
           </a:p>
@@ -448,7 +448,7 @@
           <a:bodyPr/>
           <a:lstStyle/>
           <a:p>
-            <a:fld id="{8E4DB991-2710-491C-8C50-CD4946C52E37}" type="slidenum">
+            <a:fld id="{57ED0C27-8729-46FE-8D14-4E664C2BD7BE}" type="slidenum">
               <a:rPr lang="en-US" smtClean="0"/>
               <a:t>‹#›</a:t>
             </a:fld>
@@ -459,7 +459,7 @@
     </p:spTree>
     <p:extLst>
       <p:ext uri="{BB962C8B-B14F-4D97-AF65-F5344CB8AC3E}">
-        <p14:creationId xmlns:p14="http://schemas.microsoft.com/office/powerpoint/2010/main" val="496595742"/>
+        <p14:creationId xmlns:p14="http://schemas.microsoft.com/office/powerpoint/2010/main" val="683366927"/>
       </p:ext>
     </p:extLst>
   </p:cSld>
@@ -586,9 +586,9 @@
           <a:bodyPr/>
           <a:lstStyle/>
           <a:p>
-            <a:fld id="{AD094B96-94F4-4F44-BA5E-A5E6C0C2F952}" type="datetimeFigureOut">
+            <a:fld id="{AA32D7E7-A336-4611-81C5-CBC0FE39C662}" type="datetimeFigureOut">
               <a:rPr lang="en-US" smtClean="0"/>
-              <a:t>7/29/2015</a:t>
+              <a:t>8/12/2015</a:t>
             </a:fld>
             <a:endParaRPr lang="en-US"/>
           </a:p>
@@ -628,7 +628,7 @@
           <a:bodyPr/>
           <a:lstStyle/>
           <a:p>
-            <a:fld id="{8E4DB991-2710-491C-8C50-CD4946C52E37}" type="slidenum">
+            <a:fld id="{57ED0C27-8729-46FE-8D14-4E664C2BD7BE}" type="slidenum">
               <a:rPr lang="en-US" smtClean="0"/>
               <a:t>‹#›</a:t>
             </a:fld>
@@ -639,7 +639,7 @@
     </p:spTree>
     <p:extLst>
       <p:ext uri="{BB962C8B-B14F-4D97-AF65-F5344CB8AC3E}">
-        <p14:creationId xmlns:p14="http://schemas.microsoft.com/office/powerpoint/2010/main" val="1686345694"/>
+        <p14:creationId xmlns:p14="http://schemas.microsoft.com/office/powerpoint/2010/main" val="858543879"/>
       </p:ext>
     </p:extLst>
   </p:cSld>
@@ -756,9 +756,9 @@
           <a:bodyPr/>
           <a:lstStyle/>
           <a:p>
-            <a:fld id="{AD094B96-94F4-4F44-BA5E-A5E6C0C2F952}" type="datetimeFigureOut">
+            <a:fld id="{AA32D7E7-A336-4611-81C5-CBC0FE39C662}" type="datetimeFigureOut">
               <a:rPr lang="en-US" smtClean="0"/>
-              <a:t>7/29/2015</a:t>
+              <a:t>8/12/2015</a:t>
             </a:fld>
             <a:endParaRPr lang="en-US"/>
           </a:p>
@@ -798,7 +798,7 @@
           <a:bodyPr/>
           <a:lstStyle/>
           <a:p>
-            <a:fld id="{8E4DB991-2710-491C-8C50-CD4946C52E37}" type="slidenum">
+            <a:fld id="{57ED0C27-8729-46FE-8D14-4E664C2BD7BE}" type="slidenum">
               <a:rPr lang="en-US" smtClean="0"/>
               <a:t>‹#›</a:t>
             </a:fld>
@@ -809,7 +809,7 @@
     </p:spTree>
     <p:extLst>
       <p:ext uri="{BB962C8B-B14F-4D97-AF65-F5344CB8AC3E}">
-        <p14:creationId xmlns:p14="http://schemas.microsoft.com/office/powerpoint/2010/main" val="1958793667"/>
+        <p14:creationId xmlns:p14="http://schemas.microsoft.com/office/powerpoint/2010/main" val="653080784"/>
       </p:ext>
     </p:extLst>
   </p:cSld>
@@ -1002,9 +1002,9 @@
           <a:bodyPr/>
           <a:lstStyle/>
           <a:p>
-            <a:fld id="{AD094B96-94F4-4F44-BA5E-A5E6C0C2F952}" type="datetimeFigureOut">
+            <a:fld id="{AA32D7E7-A336-4611-81C5-CBC0FE39C662}" type="datetimeFigureOut">
               <a:rPr lang="en-US" smtClean="0"/>
-              <a:t>7/29/2015</a:t>
+              <a:t>8/12/2015</a:t>
             </a:fld>
             <a:endParaRPr lang="en-US"/>
           </a:p>
@@ -1044,7 +1044,7 @@
           <a:bodyPr/>
           <a:lstStyle/>
           <a:p>
-            <a:fld id="{8E4DB991-2710-491C-8C50-CD4946C52E37}" type="slidenum">
+            <a:fld id="{57ED0C27-8729-46FE-8D14-4E664C2BD7BE}" type="slidenum">
               <a:rPr lang="en-US" smtClean="0"/>
               <a:t>‹#›</a:t>
             </a:fld>
@@ -1055,7 +1055,7 @@
     </p:spTree>
     <p:extLst>
       <p:ext uri="{BB962C8B-B14F-4D97-AF65-F5344CB8AC3E}">
-        <p14:creationId xmlns:p14="http://schemas.microsoft.com/office/powerpoint/2010/main" val="1897973128"/>
+        <p14:creationId xmlns:p14="http://schemas.microsoft.com/office/powerpoint/2010/main" val="4258051688"/>
       </p:ext>
     </p:extLst>
   </p:cSld>
@@ -1234,9 +1234,9 @@
           <a:bodyPr/>
           <a:lstStyle/>
           <a:p>
-            <a:fld id="{AD094B96-94F4-4F44-BA5E-A5E6C0C2F952}" type="datetimeFigureOut">
+            <a:fld id="{AA32D7E7-A336-4611-81C5-CBC0FE39C662}" type="datetimeFigureOut">
               <a:rPr lang="en-US" smtClean="0"/>
-              <a:t>7/29/2015</a:t>
+              <a:t>8/12/2015</a:t>
             </a:fld>
             <a:endParaRPr lang="en-US"/>
           </a:p>
@@ -1276,7 +1276,7 @@
           <a:bodyPr/>
           <a:lstStyle/>
           <a:p>
-            <a:fld id="{8E4DB991-2710-491C-8C50-CD4946C52E37}" type="slidenum">
+            <a:fld id="{57ED0C27-8729-46FE-8D14-4E664C2BD7BE}" type="slidenum">
               <a:rPr lang="en-US" smtClean="0"/>
               <a:t>‹#›</a:t>
             </a:fld>
@@ -1287,7 +1287,7 @@
     </p:spTree>
     <p:extLst>
       <p:ext uri="{BB962C8B-B14F-4D97-AF65-F5344CB8AC3E}">
-        <p14:creationId xmlns:p14="http://schemas.microsoft.com/office/powerpoint/2010/main" val="2477738397"/>
+        <p14:creationId xmlns:p14="http://schemas.microsoft.com/office/powerpoint/2010/main" val="3941074682"/>
       </p:ext>
     </p:extLst>
   </p:cSld>
@@ -1601,9 +1601,9 @@
           <a:bodyPr/>
           <a:lstStyle/>
           <a:p>
-            <a:fld id="{AD094B96-94F4-4F44-BA5E-A5E6C0C2F952}" type="datetimeFigureOut">
+            <a:fld id="{AA32D7E7-A336-4611-81C5-CBC0FE39C662}" type="datetimeFigureOut">
               <a:rPr lang="en-US" smtClean="0"/>
-              <a:t>7/29/2015</a:t>
+              <a:t>8/12/2015</a:t>
             </a:fld>
             <a:endParaRPr lang="en-US"/>
           </a:p>
@@ -1643,7 +1643,7 @@
           <a:bodyPr/>
           <a:lstStyle/>
           <a:p>
-            <a:fld id="{8E4DB991-2710-491C-8C50-CD4946C52E37}" type="slidenum">
+            <a:fld id="{57ED0C27-8729-46FE-8D14-4E664C2BD7BE}" type="slidenum">
               <a:rPr lang="en-US" smtClean="0"/>
               <a:t>‹#›</a:t>
             </a:fld>
@@ -1654,7 +1654,7 @@
     </p:spTree>
     <p:extLst>
       <p:ext uri="{BB962C8B-B14F-4D97-AF65-F5344CB8AC3E}">
-        <p14:creationId xmlns:p14="http://schemas.microsoft.com/office/powerpoint/2010/main" val="1239268428"/>
+        <p14:creationId xmlns:p14="http://schemas.microsoft.com/office/powerpoint/2010/main" val="76038467"/>
       </p:ext>
     </p:extLst>
   </p:cSld>
@@ -1719,9 +1719,9 @@
           <a:bodyPr/>
           <a:lstStyle/>
           <a:p>
-            <a:fld id="{AD094B96-94F4-4F44-BA5E-A5E6C0C2F952}" type="datetimeFigureOut">
+            <a:fld id="{AA32D7E7-A336-4611-81C5-CBC0FE39C662}" type="datetimeFigureOut">
               <a:rPr lang="en-US" smtClean="0"/>
-              <a:t>7/29/2015</a:t>
+              <a:t>8/12/2015</a:t>
             </a:fld>
             <a:endParaRPr lang="en-US"/>
           </a:p>
@@ -1761,7 +1761,7 @@
           <a:bodyPr/>
           <a:lstStyle/>
           <a:p>
-            <a:fld id="{8E4DB991-2710-491C-8C50-CD4946C52E37}" type="slidenum">
+            <a:fld id="{57ED0C27-8729-46FE-8D14-4E664C2BD7BE}" type="slidenum">
               <a:rPr lang="en-US" smtClean="0"/>
               <a:t>‹#›</a:t>
             </a:fld>
@@ -1772,7 +1772,7 @@
     </p:spTree>
     <p:extLst>
       <p:ext uri="{BB962C8B-B14F-4D97-AF65-F5344CB8AC3E}">
-        <p14:creationId xmlns:p14="http://schemas.microsoft.com/office/powerpoint/2010/main" val="1791048686"/>
+        <p14:creationId xmlns:p14="http://schemas.microsoft.com/office/powerpoint/2010/main" val="680537558"/>
       </p:ext>
     </p:extLst>
   </p:cSld>
@@ -1814,9 +1814,9 @@
           <a:bodyPr/>
           <a:lstStyle/>
           <a:p>
-            <a:fld id="{AD094B96-94F4-4F44-BA5E-A5E6C0C2F952}" type="datetimeFigureOut">
+            <a:fld id="{AA32D7E7-A336-4611-81C5-CBC0FE39C662}" type="datetimeFigureOut">
               <a:rPr lang="en-US" smtClean="0"/>
-              <a:t>7/29/2015</a:t>
+              <a:t>8/12/2015</a:t>
             </a:fld>
             <a:endParaRPr lang="en-US"/>
           </a:p>
@@ -1856,7 +1856,7 @@
           <a:bodyPr/>
           <a:lstStyle/>
           <a:p>
-            <a:fld id="{8E4DB991-2710-491C-8C50-CD4946C52E37}" type="slidenum">
+            <a:fld id="{57ED0C27-8729-46FE-8D14-4E664C2BD7BE}" type="slidenum">
               <a:rPr lang="en-US" smtClean="0"/>
               <a:t>‹#›</a:t>
             </a:fld>
@@ -1867,7 +1867,7 @@
     </p:spTree>
     <p:extLst>
       <p:ext uri="{BB962C8B-B14F-4D97-AF65-F5344CB8AC3E}">
-        <p14:creationId xmlns:p14="http://schemas.microsoft.com/office/powerpoint/2010/main" val="4247319474"/>
+        <p14:creationId xmlns:p14="http://schemas.microsoft.com/office/powerpoint/2010/main" val="4052359011"/>
       </p:ext>
     </p:extLst>
   </p:cSld>
@@ -2091,9 +2091,9 @@
           <a:bodyPr/>
           <a:lstStyle/>
           <a:p>
-            <a:fld id="{AD094B96-94F4-4F44-BA5E-A5E6C0C2F952}" type="datetimeFigureOut">
+            <a:fld id="{AA32D7E7-A336-4611-81C5-CBC0FE39C662}" type="datetimeFigureOut">
               <a:rPr lang="en-US" smtClean="0"/>
-              <a:t>7/29/2015</a:t>
+              <a:t>8/12/2015</a:t>
             </a:fld>
             <a:endParaRPr lang="en-US"/>
           </a:p>
@@ -2133,7 +2133,7 @@
           <a:bodyPr/>
           <a:lstStyle/>
           <a:p>
-            <a:fld id="{8E4DB991-2710-491C-8C50-CD4946C52E37}" type="slidenum">
+            <a:fld id="{57ED0C27-8729-46FE-8D14-4E664C2BD7BE}" type="slidenum">
               <a:rPr lang="en-US" smtClean="0"/>
               <a:t>‹#›</a:t>
             </a:fld>
@@ -2144,7 +2144,7 @@
     </p:spTree>
     <p:extLst>
       <p:ext uri="{BB962C8B-B14F-4D97-AF65-F5344CB8AC3E}">
-        <p14:creationId xmlns:p14="http://schemas.microsoft.com/office/powerpoint/2010/main" val="841366882"/>
+        <p14:creationId xmlns:p14="http://schemas.microsoft.com/office/powerpoint/2010/main" val="3078288758"/>
       </p:ext>
     </p:extLst>
   </p:cSld>
@@ -2344,9 +2344,9 @@
           <a:bodyPr/>
           <a:lstStyle/>
           <a:p>
-            <a:fld id="{AD094B96-94F4-4F44-BA5E-A5E6C0C2F952}" type="datetimeFigureOut">
+            <a:fld id="{AA32D7E7-A336-4611-81C5-CBC0FE39C662}" type="datetimeFigureOut">
               <a:rPr lang="en-US" smtClean="0"/>
-              <a:t>7/29/2015</a:t>
+              <a:t>8/12/2015</a:t>
             </a:fld>
             <a:endParaRPr lang="en-US"/>
           </a:p>
@@ -2386,7 +2386,7 @@
           <a:bodyPr/>
           <a:lstStyle/>
           <a:p>
-            <a:fld id="{8E4DB991-2710-491C-8C50-CD4946C52E37}" type="slidenum">
+            <a:fld id="{57ED0C27-8729-46FE-8D14-4E664C2BD7BE}" type="slidenum">
               <a:rPr lang="en-US" smtClean="0"/>
               <a:t>‹#›</a:t>
             </a:fld>
@@ -2397,7 +2397,7 @@
     </p:spTree>
     <p:extLst>
       <p:ext uri="{BB962C8B-B14F-4D97-AF65-F5344CB8AC3E}">
-        <p14:creationId xmlns:p14="http://schemas.microsoft.com/office/powerpoint/2010/main" val="3442212354"/>
+        <p14:creationId xmlns:p14="http://schemas.microsoft.com/office/powerpoint/2010/main" val="3464095877"/>
       </p:ext>
     </p:extLst>
   </p:cSld>
@@ -2557,9 +2557,9 @@
             </a:lvl1pPr>
           </a:lstStyle>
           <a:p>
-            <a:fld id="{AD094B96-94F4-4F44-BA5E-A5E6C0C2F952}" type="datetimeFigureOut">
+            <a:fld id="{AA32D7E7-A336-4611-81C5-CBC0FE39C662}" type="datetimeFigureOut">
               <a:rPr lang="en-US" smtClean="0"/>
-              <a:t>7/29/2015</a:t>
+              <a:t>8/12/2015</a:t>
             </a:fld>
             <a:endParaRPr lang="en-US"/>
           </a:p>
@@ -2635,7 +2635,7 @@
             </a:lvl1pPr>
           </a:lstStyle>
           <a:p>
-            <a:fld id="{8E4DB991-2710-491C-8C50-CD4946C52E37}" type="slidenum">
+            <a:fld id="{57ED0C27-8729-46FE-8D14-4E664C2BD7BE}" type="slidenum">
               <a:rPr lang="en-US" smtClean="0"/>
               <a:t>‹#›</a:t>
             </a:fld>
@@ -2646,7 +2646,7 @@
     </p:spTree>
     <p:extLst>
       <p:ext uri="{BB962C8B-B14F-4D97-AF65-F5344CB8AC3E}">
-        <p14:creationId xmlns:p14="http://schemas.microsoft.com/office/powerpoint/2010/main" val="80244650"/>
+        <p14:creationId xmlns:p14="http://schemas.microsoft.com/office/powerpoint/2010/main" val="2056501898"/>
       </p:ext>
     </p:extLst>
   </p:cSld>
@@ -2964,70 +2964,2327 @@
           <a:chExt cx="0" cy="0"/>
         </a:xfrm>
       </p:grpSpPr>
-      <p:pic>
-        <p:nvPicPr>
-          <p:cNvPr id="4" name="图片 3"/>
-          <p:cNvPicPr>
-            <a:picLocks noChangeAspect="1"/>
-          </p:cNvPicPr>
-          <p:nvPr/>
-        </p:nvPicPr>
-        <p:blipFill>
-          <a:blip r:embed="rId2">
-            <a:extLst>
-              <a:ext uri="{28A0092B-C50C-407E-A947-70E740481C1C}">
-                <a14:useLocalDpi xmlns:a14="http://schemas.microsoft.com/office/drawing/2010/main" val="0"/>
-              </a:ext>
-            </a:extLst>
-          </a:blip>
-          <a:stretch>
-            <a:fillRect/>
-          </a:stretch>
-        </p:blipFill>
-        <p:spPr>
-          <a:xfrm>
-            <a:off x="840200" y="1911963"/>
-            <a:ext cx="6163535" cy="1895740"/>
-          </a:xfrm>
-          <a:prstGeom prst="rect">
-            <a:avLst/>
-          </a:prstGeom>
-        </p:spPr>
-      </p:pic>
-      <p:pic>
-        <p:nvPicPr>
-          <p:cNvPr id="5" name="图片 4"/>
-          <p:cNvPicPr>
-            <a:picLocks noChangeAspect="1"/>
-          </p:cNvPicPr>
-          <p:nvPr/>
-        </p:nvPicPr>
-        <p:blipFill>
-          <a:blip r:embed="rId3">
-            <a:extLst>
-              <a:ext uri="{28A0092B-C50C-407E-A947-70E740481C1C}">
-                <a14:useLocalDpi xmlns:a14="http://schemas.microsoft.com/office/drawing/2010/main" val="0"/>
-              </a:ext>
-            </a:extLst>
-          </a:blip>
-          <a:stretch>
-            <a:fillRect/>
-          </a:stretch>
-        </p:blipFill>
-        <p:spPr>
-          <a:xfrm>
-            <a:off x="811620" y="3807703"/>
-            <a:ext cx="6220693" cy="1390844"/>
-          </a:xfrm>
-          <a:prstGeom prst="rect">
-            <a:avLst/>
-          </a:prstGeom>
-        </p:spPr>
-      </p:pic>
+      <p:graphicFrame>
+        <p:nvGraphicFramePr>
+          <p:cNvPr id="4" name="表格 3"/>
+          <p:cNvGraphicFramePr>
+            <a:graphicFrameLocks noGrp="1"/>
+          </p:cNvGraphicFramePr>
+          <p:nvPr>
+            <p:extLst>
+              <p:ext uri="{D42A27DB-BD31-4B8C-83A1-F6EECF244321}">
+                <p14:modId xmlns:p14="http://schemas.microsoft.com/office/powerpoint/2010/main" val="3825973371"/>
+              </p:ext>
+            </p:extLst>
+          </p:nvPr>
+        </p:nvGraphicFramePr>
+        <p:xfrm>
+          <a:off x="1200148" y="719667"/>
+          <a:ext cx="8667750" cy="3069010"/>
+        </p:xfrm>
+        <a:graphic>
+          <a:graphicData uri="http://schemas.openxmlformats.org/drawingml/2006/table">
+            <a:tbl>
+              <a:tblPr firstRow="1" bandRow="1">
+                <a:tableStyleId>{5C22544A-7EE6-4342-B048-85BDC9FD1C3A}</a:tableStyleId>
+              </a:tblPr>
+              <a:tblGrid>
+                <a:gridCol w="1733550"/>
+                <a:gridCol w="1733550"/>
+                <a:gridCol w="1733550"/>
+                <a:gridCol w="1733550"/>
+                <a:gridCol w="1733550"/>
+              </a:tblGrid>
+              <a:tr h="905243">
+                <a:tc>
+                  <a:txBody>
+                    <a:bodyPr/>
+                    <a:lstStyle/>
+                    <a:p>
+                      <a:pPr algn="ctr"/>
+                      <a:r>
+                        <a:rPr lang="en-US" dirty="0" smtClean="0"/>
+                        <a:t>Probability</a:t>
+                      </a:r>
+                      <a:r>
+                        <a:rPr lang="en-US" baseline="0" dirty="0" smtClean="0"/>
+                        <a:t> of occurrence</a:t>
+                      </a:r>
+                      <a:endParaRPr lang="en-US" dirty="0"/>
+                    </a:p>
+                  </a:txBody>
+                  <a:tcPr anchor="ctr">
+                    <a:lnL w="12700" cap="flat" cmpd="sng" algn="ctr">
+                      <a:solidFill>
+                        <a:schemeClr val="tx1"/>
+                      </a:solidFill>
+                      <a:prstDash val="solid"/>
+                      <a:round/>
+                      <a:headEnd type="none" w="med" len="med"/>
+                      <a:tailEnd type="none" w="med" len="med"/>
+                    </a:lnL>
+                    <a:lnR w="12700" cap="flat" cmpd="sng" algn="ctr">
+                      <a:solidFill>
+                        <a:schemeClr val="tx1"/>
+                      </a:solidFill>
+                      <a:prstDash val="solid"/>
+                      <a:round/>
+                      <a:headEnd type="none" w="med" len="med"/>
+                      <a:tailEnd type="none" w="med" len="med"/>
+                    </a:lnR>
+                    <a:lnT w="12700" cap="flat" cmpd="sng" algn="ctr">
+                      <a:solidFill>
+                        <a:schemeClr val="tx1"/>
+                      </a:solidFill>
+                      <a:prstDash val="solid"/>
+                      <a:round/>
+                      <a:headEnd type="none" w="med" len="med"/>
+                      <a:tailEnd type="none" w="med" len="med"/>
+                    </a:lnT>
+                    <a:lnB w="12700" cap="flat" cmpd="sng" algn="ctr">
+                      <a:solidFill>
+                        <a:schemeClr val="tx1"/>
+                      </a:solidFill>
+                      <a:prstDash val="solid"/>
+                      <a:round/>
+                      <a:headEnd type="none" w="med" len="med"/>
+                      <a:tailEnd type="none" w="med" len="med"/>
+                    </a:lnB>
+                  </a:tcPr>
+                </a:tc>
+                <a:tc>
+                  <a:txBody>
+                    <a:bodyPr/>
+                    <a:lstStyle/>
+                    <a:p>
+                      <a:pPr algn="ctr"/>
+                      <a:r>
+                        <a:rPr lang="en-US" dirty="0" smtClean="0"/>
+                        <a:t>Severity I</a:t>
+                      </a:r>
+                    </a:p>
+                    <a:p>
+                      <a:pPr algn="ctr"/>
+                      <a:r>
+                        <a:rPr lang="en-US" dirty="0" smtClean="0"/>
+                        <a:t>Catastrophic</a:t>
+                      </a:r>
+                    </a:p>
+                    <a:p>
+                      <a:pPr algn="ctr"/>
+                      <a:r>
+                        <a:rPr lang="en-US" dirty="0" smtClean="0"/>
+                        <a:t>(death, serious injury)</a:t>
+                      </a:r>
+                      <a:endParaRPr lang="en-US" dirty="0"/>
+                    </a:p>
+                  </a:txBody>
+                  <a:tcPr anchor="ctr">
+                    <a:lnL w="12700" cap="flat" cmpd="sng" algn="ctr">
+                      <a:solidFill>
+                        <a:schemeClr val="tx1"/>
+                      </a:solidFill>
+                      <a:prstDash val="solid"/>
+                      <a:round/>
+                      <a:headEnd type="none" w="med" len="med"/>
+                      <a:tailEnd type="none" w="med" len="med"/>
+                    </a:lnL>
+                    <a:lnR w="12700" cap="flat" cmpd="sng" algn="ctr">
+                      <a:solidFill>
+                        <a:schemeClr val="tx1"/>
+                      </a:solidFill>
+                      <a:prstDash val="solid"/>
+                      <a:round/>
+                      <a:headEnd type="none" w="med" len="med"/>
+                      <a:tailEnd type="none" w="med" len="med"/>
+                    </a:lnR>
+                    <a:lnT w="12700" cap="flat" cmpd="sng" algn="ctr">
+                      <a:solidFill>
+                        <a:schemeClr val="tx1"/>
+                      </a:solidFill>
+                      <a:prstDash val="solid"/>
+                      <a:round/>
+                      <a:headEnd type="none" w="med" len="med"/>
+                      <a:tailEnd type="none" w="med" len="med"/>
+                    </a:lnT>
+                    <a:lnB w="12700" cap="flat" cmpd="sng" algn="ctr">
+                      <a:solidFill>
+                        <a:schemeClr val="tx1"/>
+                      </a:solidFill>
+                      <a:prstDash val="solid"/>
+                      <a:round/>
+                      <a:headEnd type="none" w="med" len="med"/>
+                      <a:tailEnd type="none" w="med" len="med"/>
+                    </a:lnB>
+                  </a:tcPr>
+                </a:tc>
+                <a:tc>
+                  <a:txBody>
+                    <a:bodyPr/>
+                    <a:lstStyle/>
+                    <a:p>
+                      <a:pPr algn="ctr"/>
+                      <a:r>
+                        <a:rPr lang="en-US" dirty="0" smtClean="0"/>
+                        <a:t>Severity</a:t>
+                      </a:r>
+                      <a:r>
+                        <a:rPr lang="en-US" baseline="0" dirty="0" smtClean="0"/>
+                        <a:t> II</a:t>
+                      </a:r>
+                    </a:p>
+                    <a:p>
+                      <a:pPr algn="ctr"/>
+                      <a:r>
+                        <a:rPr lang="en-US" baseline="0" dirty="0" smtClean="0"/>
+                        <a:t>Significant</a:t>
+                      </a:r>
+                    </a:p>
+                    <a:p>
+                      <a:pPr algn="ctr"/>
+                      <a:r>
+                        <a:rPr lang="en-US" baseline="0" dirty="0" smtClean="0"/>
+                        <a:t>(Reversible serious injury)</a:t>
+                      </a:r>
+                      <a:endParaRPr lang="en-US" dirty="0"/>
+                    </a:p>
+                  </a:txBody>
+                  <a:tcPr anchor="ctr">
+                    <a:lnL w="12700" cap="flat" cmpd="sng" algn="ctr">
+                      <a:solidFill>
+                        <a:schemeClr val="tx1"/>
+                      </a:solidFill>
+                      <a:prstDash val="solid"/>
+                      <a:round/>
+                      <a:headEnd type="none" w="med" len="med"/>
+                      <a:tailEnd type="none" w="med" len="med"/>
+                    </a:lnL>
+                    <a:lnR w="12700" cap="flat" cmpd="sng" algn="ctr">
+                      <a:solidFill>
+                        <a:schemeClr val="tx1"/>
+                      </a:solidFill>
+                      <a:prstDash val="solid"/>
+                      <a:round/>
+                      <a:headEnd type="none" w="med" len="med"/>
+                      <a:tailEnd type="none" w="med" len="med"/>
+                    </a:lnR>
+                    <a:lnT w="12700" cap="flat" cmpd="sng" algn="ctr">
+                      <a:solidFill>
+                        <a:schemeClr val="tx1"/>
+                      </a:solidFill>
+                      <a:prstDash val="solid"/>
+                      <a:round/>
+                      <a:headEnd type="none" w="med" len="med"/>
+                      <a:tailEnd type="none" w="med" len="med"/>
+                    </a:lnT>
+                    <a:lnB w="12700" cap="flat" cmpd="sng" algn="ctr">
+                      <a:solidFill>
+                        <a:schemeClr val="tx1"/>
+                      </a:solidFill>
+                      <a:prstDash val="solid"/>
+                      <a:round/>
+                      <a:headEnd type="none" w="med" len="med"/>
+                      <a:tailEnd type="none" w="med" len="med"/>
+                    </a:lnB>
+                  </a:tcPr>
+                </a:tc>
+                <a:tc>
+                  <a:txBody>
+                    <a:bodyPr/>
+                    <a:lstStyle/>
+                    <a:p>
+                      <a:pPr algn="ctr"/>
+                      <a:r>
+                        <a:rPr lang="en-US" dirty="0" smtClean="0"/>
+                        <a:t>Severity III</a:t>
+                      </a:r>
+                    </a:p>
+                    <a:p>
+                      <a:pPr algn="ctr"/>
+                      <a:r>
+                        <a:rPr lang="en-US" dirty="0" smtClean="0"/>
+                        <a:t>Marginal</a:t>
+                      </a:r>
+                    </a:p>
+                    <a:p>
+                      <a:pPr algn="ctr"/>
+                      <a:r>
+                        <a:rPr lang="en-US" dirty="0" smtClean="0"/>
+                        <a:t>(inconvenience)</a:t>
+                      </a:r>
+                      <a:endParaRPr lang="en-US" dirty="0"/>
+                    </a:p>
+                  </a:txBody>
+                  <a:tcPr anchor="ctr">
+                    <a:lnL w="12700" cap="flat" cmpd="sng" algn="ctr">
+                      <a:solidFill>
+                        <a:schemeClr val="tx1"/>
+                      </a:solidFill>
+                      <a:prstDash val="solid"/>
+                      <a:round/>
+                      <a:headEnd type="none" w="med" len="med"/>
+                      <a:tailEnd type="none" w="med" len="med"/>
+                    </a:lnL>
+                    <a:lnR w="12700" cap="flat" cmpd="sng" algn="ctr">
+                      <a:solidFill>
+                        <a:schemeClr val="tx1"/>
+                      </a:solidFill>
+                      <a:prstDash val="solid"/>
+                      <a:round/>
+                      <a:headEnd type="none" w="med" len="med"/>
+                      <a:tailEnd type="none" w="med" len="med"/>
+                    </a:lnR>
+                    <a:lnT w="12700" cap="flat" cmpd="sng" algn="ctr">
+                      <a:solidFill>
+                        <a:schemeClr val="tx1"/>
+                      </a:solidFill>
+                      <a:prstDash val="solid"/>
+                      <a:round/>
+                      <a:headEnd type="none" w="med" len="med"/>
+                      <a:tailEnd type="none" w="med" len="med"/>
+                    </a:lnT>
+                    <a:lnB w="12700" cap="flat" cmpd="sng" algn="ctr">
+                      <a:solidFill>
+                        <a:schemeClr val="tx1"/>
+                      </a:solidFill>
+                      <a:prstDash val="solid"/>
+                      <a:round/>
+                      <a:headEnd type="none" w="med" len="med"/>
+                      <a:tailEnd type="none" w="med" len="med"/>
+                    </a:lnB>
+                  </a:tcPr>
+                </a:tc>
+                <a:tc>
+                  <a:txBody>
+                    <a:bodyPr/>
+                    <a:lstStyle/>
+                    <a:p>
+                      <a:pPr algn="ctr"/>
+                      <a:r>
+                        <a:rPr lang="en-US" dirty="0" smtClean="0"/>
+                        <a:t>Severity</a:t>
+                      </a:r>
+                      <a:r>
+                        <a:rPr lang="en-US" baseline="0" dirty="0" smtClean="0"/>
+                        <a:t> IV</a:t>
+                      </a:r>
+                    </a:p>
+                    <a:p>
+                      <a:pPr algn="ctr"/>
+                      <a:r>
+                        <a:rPr lang="en-US" baseline="0" dirty="0" err="1" smtClean="0"/>
+                        <a:t>Negeligible</a:t>
+                      </a:r>
+                      <a:endParaRPr lang="en-US" dirty="0"/>
+                    </a:p>
+                  </a:txBody>
+                  <a:tcPr anchor="ctr">
+                    <a:lnL w="12700" cap="flat" cmpd="sng" algn="ctr">
+                      <a:solidFill>
+                        <a:schemeClr val="tx1"/>
+                      </a:solidFill>
+                      <a:prstDash val="solid"/>
+                      <a:round/>
+                      <a:headEnd type="none" w="med" len="med"/>
+                      <a:tailEnd type="none" w="med" len="med"/>
+                    </a:lnL>
+                    <a:lnR w="12700" cap="flat" cmpd="sng" algn="ctr">
+                      <a:solidFill>
+                        <a:schemeClr val="tx1"/>
+                      </a:solidFill>
+                      <a:prstDash val="solid"/>
+                      <a:round/>
+                      <a:headEnd type="none" w="med" len="med"/>
+                      <a:tailEnd type="none" w="med" len="med"/>
+                    </a:lnR>
+                    <a:lnT w="12700" cap="flat" cmpd="sng" algn="ctr">
+                      <a:solidFill>
+                        <a:schemeClr val="tx1"/>
+                      </a:solidFill>
+                      <a:prstDash val="solid"/>
+                      <a:round/>
+                      <a:headEnd type="none" w="med" len="med"/>
+                      <a:tailEnd type="none" w="med" len="med"/>
+                    </a:lnT>
+                    <a:lnB w="12700" cap="flat" cmpd="sng" algn="ctr">
+                      <a:solidFill>
+                        <a:schemeClr val="tx1"/>
+                      </a:solidFill>
+                      <a:prstDash val="solid"/>
+                      <a:round/>
+                      <a:headEnd type="none" w="med" len="med"/>
+                      <a:tailEnd type="none" w="med" len="med"/>
+                    </a:lnB>
+                  </a:tcPr>
+                </a:tc>
+              </a:tr>
+              <a:tr h="376058">
+                <a:tc>
+                  <a:txBody>
+                    <a:bodyPr/>
+                    <a:lstStyle/>
+                    <a:p>
+                      <a:pPr algn="ctr"/>
+                      <a:r>
+                        <a:rPr lang="en-US" dirty="0" smtClean="0"/>
+                        <a:t>Frequent</a:t>
+                      </a:r>
+                      <a:endParaRPr lang="en-US" dirty="0"/>
+                    </a:p>
+                  </a:txBody>
+                  <a:tcPr anchor="ctr">
+                    <a:lnL w="12700" cap="flat" cmpd="sng" algn="ctr">
+                      <a:solidFill>
+                        <a:schemeClr val="tx1"/>
+                      </a:solidFill>
+                      <a:prstDash val="solid"/>
+                      <a:round/>
+                      <a:headEnd type="none" w="med" len="med"/>
+                      <a:tailEnd type="none" w="med" len="med"/>
+                    </a:lnL>
+                    <a:lnR w="12700" cap="flat" cmpd="sng" algn="ctr">
+                      <a:solidFill>
+                        <a:schemeClr val="tx1"/>
+                      </a:solidFill>
+                      <a:prstDash val="solid"/>
+                      <a:round/>
+                      <a:headEnd type="none" w="med" len="med"/>
+                      <a:tailEnd type="none" w="med" len="med"/>
+                    </a:lnR>
+                    <a:lnT w="12700" cap="flat" cmpd="sng" algn="ctr">
+                      <a:solidFill>
+                        <a:schemeClr val="tx1"/>
+                      </a:solidFill>
+                      <a:prstDash val="solid"/>
+                      <a:round/>
+                      <a:headEnd type="none" w="med" len="med"/>
+                      <a:tailEnd type="none" w="med" len="med"/>
+                    </a:lnT>
+                    <a:lnB w="12700" cap="flat" cmpd="sng" algn="ctr">
+                      <a:solidFill>
+                        <a:schemeClr val="tx1"/>
+                      </a:solidFill>
+                      <a:prstDash val="solid"/>
+                      <a:round/>
+                      <a:headEnd type="none" w="med" len="med"/>
+                      <a:tailEnd type="none" w="med" len="med"/>
+                    </a:lnB>
+                  </a:tcPr>
+                </a:tc>
+                <a:tc>
+                  <a:txBody>
+                    <a:bodyPr/>
+                    <a:lstStyle/>
+                    <a:p>
+                      <a:pPr algn="ctr"/>
+                      <a:r>
+                        <a:rPr lang="en-US" dirty="0" smtClean="0"/>
+                        <a:t>1</a:t>
+                      </a:r>
+                      <a:endParaRPr lang="en-US" dirty="0"/>
+                    </a:p>
+                  </a:txBody>
+                  <a:tcPr anchor="ctr">
+                    <a:lnL w="12700" cap="flat" cmpd="sng" algn="ctr">
+                      <a:solidFill>
+                        <a:schemeClr val="tx1"/>
+                      </a:solidFill>
+                      <a:prstDash val="solid"/>
+                      <a:round/>
+                      <a:headEnd type="none" w="med" len="med"/>
+                      <a:tailEnd type="none" w="med" len="med"/>
+                    </a:lnL>
+                    <a:lnR w="12700" cap="flat" cmpd="sng" algn="ctr">
+                      <a:solidFill>
+                        <a:schemeClr val="tx1"/>
+                      </a:solidFill>
+                      <a:prstDash val="solid"/>
+                      <a:round/>
+                      <a:headEnd type="none" w="med" len="med"/>
+                      <a:tailEnd type="none" w="med" len="med"/>
+                    </a:lnR>
+                    <a:lnT w="12700" cap="flat" cmpd="sng" algn="ctr">
+                      <a:solidFill>
+                        <a:schemeClr val="tx1"/>
+                      </a:solidFill>
+                      <a:prstDash val="solid"/>
+                      <a:round/>
+                      <a:headEnd type="none" w="med" len="med"/>
+                      <a:tailEnd type="none" w="med" len="med"/>
+                    </a:lnT>
+                    <a:lnB w="12700" cap="flat" cmpd="sng" algn="ctr">
+                      <a:solidFill>
+                        <a:schemeClr val="tx1"/>
+                      </a:solidFill>
+                      <a:prstDash val="solid"/>
+                      <a:round/>
+                      <a:headEnd type="none" w="med" len="med"/>
+                      <a:tailEnd type="none" w="med" len="med"/>
+                    </a:lnB>
+                    <a:solidFill>
+                      <a:srgbClr val="FF0000"/>
+                    </a:solidFill>
+                  </a:tcPr>
+                </a:tc>
+                <a:tc>
+                  <a:txBody>
+                    <a:bodyPr/>
+                    <a:lstStyle/>
+                    <a:p>
+                      <a:pPr algn="ctr"/>
+                      <a:r>
+                        <a:rPr lang="en-US" dirty="0" smtClean="0"/>
+                        <a:t>3</a:t>
+                      </a:r>
+                      <a:endParaRPr lang="en-US" dirty="0"/>
+                    </a:p>
+                  </a:txBody>
+                  <a:tcPr anchor="ctr">
+                    <a:lnL w="12700" cap="flat" cmpd="sng" algn="ctr">
+                      <a:solidFill>
+                        <a:schemeClr val="tx1"/>
+                      </a:solidFill>
+                      <a:prstDash val="solid"/>
+                      <a:round/>
+                      <a:headEnd type="none" w="med" len="med"/>
+                      <a:tailEnd type="none" w="med" len="med"/>
+                    </a:lnL>
+                    <a:lnR w="12700" cap="flat" cmpd="sng" algn="ctr">
+                      <a:solidFill>
+                        <a:schemeClr val="tx1"/>
+                      </a:solidFill>
+                      <a:prstDash val="solid"/>
+                      <a:round/>
+                      <a:headEnd type="none" w="med" len="med"/>
+                      <a:tailEnd type="none" w="med" len="med"/>
+                    </a:lnR>
+                    <a:lnT w="12700" cap="flat" cmpd="sng" algn="ctr">
+                      <a:solidFill>
+                        <a:schemeClr val="tx1"/>
+                      </a:solidFill>
+                      <a:prstDash val="solid"/>
+                      <a:round/>
+                      <a:headEnd type="none" w="med" len="med"/>
+                      <a:tailEnd type="none" w="med" len="med"/>
+                    </a:lnT>
+                    <a:lnB w="12700" cap="flat" cmpd="sng" algn="ctr">
+                      <a:solidFill>
+                        <a:schemeClr val="tx1"/>
+                      </a:solidFill>
+                      <a:prstDash val="solid"/>
+                      <a:round/>
+                      <a:headEnd type="none" w="med" len="med"/>
+                      <a:tailEnd type="none" w="med" len="med"/>
+                    </a:lnB>
+                    <a:solidFill>
+                      <a:srgbClr val="FF0000"/>
+                    </a:solidFill>
+                  </a:tcPr>
+                </a:tc>
+                <a:tc>
+                  <a:txBody>
+                    <a:bodyPr/>
+                    <a:lstStyle/>
+                    <a:p>
+                      <a:pPr algn="ctr"/>
+                      <a:r>
+                        <a:rPr lang="en-US" dirty="0" smtClean="0"/>
+                        <a:t>7</a:t>
+                      </a:r>
+                      <a:endParaRPr lang="en-US" dirty="0"/>
+                    </a:p>
+                  </a:txBody>
+                  <a:tcPr anchor="ctr">
+                    <a:lnL w="12700" cap="flat" cmpd="sng" algn="ctr">
+                      <a:solidFill>
+                        <a:schemeClr val="tx1"/>
+                      </a:solidFill>
+                      <a:prstDash val="solid"/>
+                      <a:round/>
+                      <a:headEnd type="none" w="med" len="med"/>
+                      <a:tailEnd type="none" w="med" len="med"/>
+                    </a:lnL>
+                    <a:lnR w="12700" cap="flat" cmpd="sng" algn="ctr">
+                      <a:solidFill>
+                        <a:schemeClr val="tx1"/>
+                      </a:solidFill>
+                      <a:prstDash val="solid"/>
+                      <a:round/>
+                      <a:headEnd type="none" w="med" len="med"/>
+                      <a:tailEnd type="none" w="med" len="med"/>
+                    </a:lnR>
+                    <a:lnT w="12700" cap="flat" cmpd="sng" algn="ctr">
+                      <a:solidFill>
+                        <a:schemeClr val="tx1"/>
+                      </a:solidFill>
+                      <a:prstDash val="solid"/>
+                      <a:round/>
+                      <a:headEnd type="none" w="med" len="med"/>
+                      <a:tailEnd type="none" w="med" len="med"/>
+                    </a:lnT>
+                    <a:lnB w="12700" cap="flat" cmpd="sng" algn="ctr">
+                      <a:solidFill>
+                        <a:schemeClr val="tx1"/>
+                      </a:solidFill>
+                      <a:prstDash val="solid"/>
+                      <a:round/>
+                      <a:headEnd type="none" w="med" len="med"/>
+                      <a:tailEnd type="none" w="med" len="med"/>
+                    </a:lnB>
+                    <a:solidFill>
+                      <a:schemeClr val="accent2"/>
+                    </a:solidFill>
+                  </a:tcPr>
+                </a:tc>
+                <a:tc>
+                  <a:txBody>
+                    <a:bodyPr/>
+                    <a:lstStyle/>
+                    <a:p>
+                      <a:pPr algn="ctr"/>
+                      <a:r>
+                        <a:rPr lang="en-US" dirty="0" smtClean="0"/>
+                        <a:t>13</a:t>
+                      </a:r>
+                    </a:p>
+                  </a:txBody>
+                  <a:tcPr anchor="ctr">
+                    <a:lnL w="12700" cap="flat" cmpd="sng" algn="ctr">
+                      <a:solidFill>
+                        <a:schemeClr val="tx1"/>
+                      </a:solidFill>
+                      <a:prstDash val="solid"/>
+                      <a:round/>
+                      <a:headEnd type="none" w="med" len="med"/>
+                      <a:tailEnd type="none" w="med" len="med"/>
+                    </a:lnL>
+                    <a:lnR w="12700" cap="flat" cmpd="sng" algn="ctr">
+                      <a:solidFill>
+                        <a:schemeClr val="tx1"/>
+                      </a:solidFill>
+                      <a:prstDash val="solid"/>
+                      <a:round/>
+                      <a:headEnd type="none" w="med" len="med"/>
+                      <a:tailEnd type="none" w="med" len="med"/>
+                    </a:lnR>
+                    <a:lnT w="12700" cap="flat" cmpd="sng" algn="ctr">
+                      <a:solidFill>
+                        <a:schemeClr val="tx1"/>
+                      </a:solidFill>
+                      <a:prstDash val="solid"/>
+                      <a:round/>
+                      <a:headEnd type="none" w="med" len="med"/>
+                      <a:tailEnd type="none" w="med" len="med"/>
+                    </a:lnT>
+                    <a:lnB w="12700" cap="flat" cmpd="sng" algn="ctr">
+                      <a:solidFill>
+                        <a:schemeClr val="tx1"/>
+                      </a:solidFill>
+                      <a:prstDash val="solid"/>
+                      <a:round/>
+                      <a:headEnd type="none" w="med" len="med"/>
+                      <a:tailEnd type="none" w="med" len="med"/>
+                    </a:lnB>
+                    <a:solidFill>
+                      <a:srgbClr val="FFFF00"/>
+                    </a:solidFill>
+                  </a:tcPr>
+                </a:tc>
+              </a:tr>
+              <a:tr h="376058">
+                <a:tc>
+                  <a:txBody>
+                    <a:bodyPr/>
+                    <a:lstStyle/>
+                    <a:p>
+                      <a:pPr algn="ctr"/>
+                      <a:r>
+                        <a:rPr lang="en-US" dirty="0" smtClean="0"/>
+                        <a:t>Probable</a:t>
+                      </a:r>
+                      <a:endParaRPr lang="en-US" dirty="0"/>
+                    </a:p>
+                  </a:txBody>
+                  <a:tcPr anchor="ctr">
+                    <a:lnL w="12700" cap="flat" cmpd="sng" algn="ctr">
+                      <a:solidFill>
+                        <a:schemeClr val="tx1"/>
+                      </a:solidFill>
+                      <a:prstDash val="solid"/>
+                      <a:round/>
+                      <a:headEnd type="none" w="med" len="med"/>
+                      <a:tailEnd type="none" w="med" len="med"/>
+                    </a:lnL>
+                    <a:lnR w="12700" cap="flat" cmpd="sng" algn="ctr">
+                      <a:solidFill>
+                        <a:schemeClr val="tx1"/>
+                      </a:solidFill>
+                      <a:prstDash val="solid"/>
+                      <a:round/>
+                      <a:headEnd type="none" w="med" len="med"/>
+                      <a:tailEnd type="none" w="med" len="med"/>
+                    </a:lnR>
+                    <a:lnT w="12700" cap="flat" cmpd="sng" algn="ctr">
+                      <a:solidFill>
+                        <a:schemeClr val="tx1"/>
+                      </a:solidFill>
+                      <a:prstDash val="solid"/>
+                      <a:round/>
+                      <a:headEnd type="none" w="med" len="med"/>
+                      <a:tailEnd type="none" w="med" len="med"/>
+                    </a:lnT>
+                    <a:lnB w="12700" cap="flat" cmpd="sng" algn="ctr">
+                      <a:solidFill>
+                        <a:schemeClr val="tx1"/>
+                      </a:solidFill>
+                      <a:prstDash val="solid"/>
+                      <a:round/>
+                      <a:headEnd type="none" w="med" len="med"/>
+                      <a:tailEnd type="none" w="med" len="med"/>
+                    </a:lnB>
+                  </a:tcPr>
+                </a:tc>
+                <a:tc>
+                  <a:txBody>
+                    <a:bodyPr/>
+                    <a:lstStyle/>
+                    <a:p>
+                      <a:pPr algn="ctr"/>
+                      <a:r>
+                        <a:rPr lang="en-US" dirty="0" smtClean="0"/>
+                        <a:t>2</a:t>
+                      </a:r>
+                      <a:endParaRPr lang="en-US" dirty="0"/>
+                    </a:p>
+                  </a:txBody>
+                  <a:tcPr anchor="ctr">
+                    <a:lnL w="12700" cap="flat" cmpd="sng" algn="ctr">
+                      <a:solidFill>
+                        <a:schemeClr val="tx1"/>
+                      </a:solidFill>
+                      <a:prstDash val="solid"/>
+                      <a:round/>
+                      <a:headEnd type="none" w="med" len="med"/>
+                      <a:tailEnd type="none" w="med" len="med"/>
+                    </a:lnL>
+                    <a:lnR w="12700" cap="flat" cmpd="sng" algn="ctr">
+                      <a:solidFill>
+                        <a:schemeClr val="tx1"/>
+                      </a:solidFill>
+                      <a:prstDash val="solid"/>
+                      <a:round/>
+                      <a:headEnd type="none" w="med" len="med"/>
+                      <a:tailEnd type="none" w="med" len="med"/>
+                    </a:lnR>
+                    <a:lnT w="12700" cap="flat" cmpd="sng" algn="ctr">
+                      <a:solidFill>
+                        <a:schemeClr val="tx1"/>
+                      </a:solidFill>
+                      <a:prstDash val="solid"/>
+                      <a:round/>
+                      <a:headEnd type="none" w="med" len="med"/>
+                      <a:tailEnd type="none" w="med" len="med"/>
+                    </a:lnT>
+                    <a:lnB w="12700" cap="flat" cmpd="sng" algn="ctr">
+                      <a:solidFill>
+                        <a:schemeClr val="tx1"/>
+                      </a:solidFill>
+                      <a:prstDash val="solid"/>
+                      <a:round/>
+                      <a:headEnd type="none" w="med" len="med"/>
+                      <a:tailEnd type="none" w="med" len="med"/>
+                    </a:lnB>
+                    <a:solidFill>
+                      <a:srgbClr val="FF0000"/>
+                    </a:solidFill>
+                  </a:tcPr>
+                </a:tc>
+                <a:tc>
+                  <a:txBody>
+                    <a:bodyPr/>
+                    <a:lstStyle/>
+                    <a:p>
+                      <a:pPr algn="ctr"/>
+                      <a:r>
+                        <a:rPr lang="en-US" dirty="0" smtClean="0"/>
+                        <a:t>5</a:t>
+                      </a:r>
+                      <a:endParaRPr lang="en-US" dirty="0"/>
+                    </a:p>
+                  </a:txBody>
+                  <a:tcPr anchor="ctr">
+                    <a:lnL w="12700" cap="flat" cmpd="sng" algn="ctr">
+                      <a:solidFill>
+                        <a:schemeClr val="tx1"/>
+                      </a:solidFill>
+                      <a:prstDash val="solid"/>
+                      <a:round/>
+                      <a:headEnd type="none" w="med" len="med"/>
+                      <a:tailEnd type="none" w="med" len="med"/>
+                    </a:lnL>
+                    <a:lnR w="12700" cap="flat" cmpd="sng" algn="ctr">
+                      <a:solidFill>
+                        <a:schemeClr val="tx1"/>
+                      </a:solidFill>
+                      <a:prstDash val="solid"/>
+                      <a:round/>
+                      <a:headEnd type="none" w="med" len="med"/>
+                      <a:tailEnd type="none" w="med" len="med"/>
+                    </a:lnR>
+                    <a:lnT w="12700" cap="flat" cmpd="sng" algn="ctr">
+                      <a:solidFill>
+                        <a:schemeClr val="tx1"/>
+                      </a:solidFill>
+                      <a:prstDash val="solid"/>
+                      <a:round/>
+                      <a:headEnd type="none" w="med" len="med"/>
+                      <a:tailEnd type="none" w="med" len="med"/>
+                    </a:lnT>
+                    <a:lnB w="12700" cap="flat" cmpd="sng" algn="ctr">
+                      <a:solidFill>
+                        <a:schemeClr val="tx1"/>
+                      </a:solidFill>
+                      <a:prstDash val="solid"/>
+                      <a:round/>
+                      <a:headEnd type="none" w="med" len="med"/>
+                      <a:tailEnd type="none" w="med" len="med"/>
+                    </a:lnB>
+                    <a:solidFill>
+                      <a:srgbClr val="FF0000"/>
+                    </a:solidFill>
+                  </a:tcPr>
+                </a:tc>
+                <a:tc>
+                  <a:txBody>
+                    <a:bodyPr/>
+                    <a:lstStyle/>
+                    <a:p>
+                      <a:pPr algn="ctr"/>
+                      <a:r>
+                        <a:rPr lang="en-US" dirty="0" smtClean="0"/>
+                        <a:t>9</a:t>
+                      </a:r>
+                      <a:endParaRPr lang="en-US" dirty="0"/>
+                    </a:p>
+                  </a:txBody>
+                  <a:tcPr anchor="ctr">
+                    <a:lnL w="12700" cap="flat" cmpd="sng" algn="ctr">
+                      <a:solidFill>
+                        <a:schemeClr val="tx1"/>
+                      </a:solidFill>
+                      <a:prstDash val="solid"/>
+                      <a:round/>
+                      <a:headEnd type="none" w="med" len="med"/>
+                      <a:tailEnd type="none" w="med" len="med"/>
+                    </a:lnL>
+                    <a:lnR w="12700" cap="flat" cmpd="sng" algn="ctr">
+                      <a:solidFill>
+                        <a:schemeClr val="tx1"/>
+                      </a:solidFill>
+                      <a:prstDash val="solid"/>
+                      <a:round/>
+                      <a:headEnd type="none" w="med" len="med"/>
+                      <a:tailEnd type="none" w="med" len="med"/>
+                    </a:lnR>
+                    <a:lnT w="12700" cap="flat" cmpd="sng" algn="ctr">
+                      <a:solidFill>
+                        <a:schemeClr val="tx1"/>
+                      </a:solidFill>
+                      <a:prstDash val="solid"/>
+                      <a:round/>
+                      <a:headEnd type="none" w="med" len="med"/>
+                      <a:tailEnd type="none" w="med" len="med"/>
+                    </a:lnT>
+                    <a:lnB w="12700" cap="flat" cmpd="sng" algn="ctr">
+                      <a:solidFill>
+                        <a:schemeClr val="tx1"/>
+                      </a:solidFill>
+                      <a:prstDash val="solid"/>
+                      <a:round/>
+                      <a:headEnd type="none" w="med" len="med"/>
+                      <a:tailEnd type="none" w="med" len="med"/>
+                    </a:lnB>
+                    <a:solidFill>
+                      <a:schemeClr val="accent2"/>
+                    </a:solidFill>
+                  </a:tcPr>
+                </a:tc>
+                <a:tc>
+                  <a:txBody>
+                    <a:bodyPr/>
+                    <a:lstStyle/>
+                    <a:p>
+                      <a:pPr algn="ctr"/>
+                      <a:r>
+                        <a:rPr lang="en-US" dirty="0" smtClean="0"/>
+                        <a:t>16</a:t>
+                      </a:r>
+                      <a:endParaRPr lang="en-US" dirty="0"/>
+                    </a:p>
+                  </a:txBody>
+                  <a:tcPr anchor="ctr">
+                    <a:lnL w="12700" cap="flat" cmpd="sng" algn="ctr">
+                      <a:solidFill>
+                        <a:schemeClr val="tx1"/>
+                      </a:solidFill>
+                      <a:prstDash val="solid"/>
+                      <a:round/>
+                      <a:headEnd type="none" w="med" len="med"/>
+                      <a:tailEnd type="none" w="med" len="med"/>
+                    </a:lnL>
+                    <a:lnR w="12700" cap="flat" cmpd="sng" algn="ctr">
+                      <a:solidFill>
+                        <a:schemeClr val="tx1"/>
+                      </a:solidFill>
+                      <a:prstDash val="solid"/>
+                      <a:round/>
+                      <a:headEnd type="none" w="med" len="med"/>
+                      <a:tailEnd type="none" w="med" len="med"/>
+                    </a:lnR>
+                    <a:lnT w="12700" cap="flat" cmpd="sng" algn="ctr">
+                      <a:solidFill>
+                        <a:schemeClr val="tx1"/>
+                      </a:solidFill>
+                      <a:prstDash val="solid"/>
+                      <a:round/>
+                      <a:headEnd type="none" w="med" len="med"/>
+                      <a:tailEnd type="none" w="med" len="med"/>
+                    </a:lnT>
+                    <a:lnB w="12700" cap="flat" cmpd="sng" algn="ctr">
+                      <a:solidFill>
+                        <a:schemeClr val="tx1"/>
+                      </a:solidFill>
+                      <a:prstDash val="solid"/>
+                      <a:round/>
+                      <a:headEnd type="none" w="med" len="med"/>
+                      <a:tailEnd type="none" w="med" len="med"/>
+                    </a:lnB>
+                    <a:solidFill>
+                      <a:srgbClr val="FFFF00"/>
+                    </a:solidFill>
+                  </a:tcPr>
+                </a:tc>
+              </a:tr>
+              <a:tr h="376058">
+                <a:tc>
+                  <a:txBody>
+                    <a:bodyPr/>
+                    <a:lstStyle/>
+                    <a:p>
+                      <a:pPr algn="ctr"/>
+                      <a:r>
+                        <a:rPr lang="en-US" dirty="0" smtClean="0"/>
+                        <a:t>Occasional</a:t>
+                      </a:r>
+                      <a:endParaRPr lang="en-US" dirty="0"/>
+                    </a:p>
+                  </a:txBody>
+                  <a:tcPr anchor="ctr">
+                    <a:lnL w="12700" cap="flat" cmpd="sng" algn="ctr">
+                      <a:solidFill>
+                        <a:schemeClr val="tx1"/>
+                      </a:solidFill>
+                      <a:prstDash val="solid"/>
+                      <a:round/>
+                      <a:headEnd type="none" w="med" len="med"/>
+                      <a:tailEnd type="none" w="med" len="med"/>
+                    </a:lnL>
+                    <a:lnR w="12700" cap="flat" cmpd="sng" algn="ctr">
+                      <a:solidFill>
+                        <a:schemeClr val="tx1"/>
+                      </a:solidFill>
+                      <a:prstDash val="solid"/>
+                      <a:round/>
+                      <a:headEnd type="none" w="med" len="med"/>
+                      <a:tailEnd type="none" w="med" len="med"/>
+                    </a:lnR>
+                    <a:lnT w="12700" cap="flat" cmpd="sng" algn="ctr">
+                      <a:solidFill>
+                        <a:schemeClr val="tx1"/>
+                      </a:solidFill>
+                      <a:prstDash val="solid"/>
+                      <a:round/>
+                      <a:headEnd type="none" w="med" len="med"/>
+                      <a:tailEnd type="none" w="med" len="med"/>
+                    </a:lnT>
+                    <a:lnB w="12700" cap="flat" cmpd="sng" algn="ctr">
+                      <a:solidFill>
+                        <a:schemeClr val="tx1"/>
+                      </a:solidFill>
+                      <a:prstDash val="solid"/>
+                      <a:round/>
+                      <a:headEnd type="none" w="med" len="med"/>
+                      <a:tailEnd type="none" w="med" len="med"/>
+                    </a:lnB>
+                  </a:tcPr>
+                </a:tc>
+                <a:tc>
+                  <a:txBody>
+                    <a:bodyPr/>
+                    <a:lstStyle/>
+                    <a:p>
+                      <a:pPr algn="ctr"/>
+                      <a:r>
+                        <a:rPr lang="en-US" dirty="0" smtClean="0"/>
+                        <a:t>4</a:t>
+                      </a:r>
+                      <a:endParaRPr lang="en-US" dirty="0"/>
+                    </a:p>
+                  </a:txBody>
+                  <a:tcPr anchor="ctr">
+                    <a:lnL w="12700" cap="flat" cmpd="sng" algn="ctr">
+                      <a:solidFill>
+                        <a:schemeClr val="tx1"/>
+                      </a:solidFill>
+                      <a:prstDash val="solid"/>
+                      <a:round/>
+                      <a:headEnd type="none" w="med" len="med"/>
+                      <a:tailEnd type="none" w="med" len="med"/>
+                    </a:lnL>
+                    <a:lnR w="12700" cap="flat" cmpd="sng" algn="ctr">
+                      <a:solidFill>
+                        <a:schemeClr val="tx1"/>
+                      </a:solidFill>
+                      <a:prstDash val="solid"/>
+                      <a:round/>
+                      <a:headEnd type="none" w="med" len="med"/>
+                      <a:tailEnd type="none" w="med" len="med"/>
+                    </a:lnR>
+                    <a:lnT w="12700" cap="flat" cmpd="sng" algn="ctr">
+                      <a:solidFill>
+                        <a:schemeClr val="tx1"/>
+                      </a:solidFill>
+                      <a:prstDash val="solid"/>
+                      <a:round/>
+                      <a:headEnd type="none" w="med" len="med"/>
+                      <a:tailEnd type="none" w="med" len="med"/>
+                    </a:lnT>
+                    <a:lnB w="12700" cap="flat" cmpd="sng" algn="ctr">
+                      <a:solidFill>
+                        <a:schemeClr val="tx1"/>
+                      </a:solidFill>
+                      <a:prstDash val="solid"/>
+                      <a:round/>
+                      <a:headEnd type="none" w="med" len="med"/>
+                      <a:tailEnd type="none" w="med" len="med"/>
+                    </a:lnB>
+                    <a:solidFill>
+                      <a:srgbClr val="FF0000"/>
+                    </a:solidFill>
+                  </a:tcPr>
+                </a:tc>
+                <a:tc>
+                  <a:txBody>
+                    <a:bodyPr/>
+                    <a:lstStyle/>
+                    <a:p>
+                      <a:pPr algn="ctr"/>
+                      <a:r>
+                        <a:rPr lang="en-US" dirty="0" smtClean="0"/>
+                        <a:t>6</a:t>
+                      </a:r>
+                      <a:endParaRPr lang="en-US" dirty="0"/>
+                    </a:p>
+                  </a:txBody>
+                  <a:tcPr anchor="ctr">
+                    <a:lnL w="12700" cap="flat" cmpd="sng" algn="ctr">
+                      <a:solidFill>
+                        <a:schemeClr val="tx1"/>
+                      </a:solidFill>
+                      <a:prstDash val="solid"/>
+                      <a:round/>
+                      <a:headEnd type="none" w="med" len="med"/>
+                      <a:tailEnd type="none" w="med" len="med"/>
+                    </a:lnL>
+                    <a:lnR w="12700" cap="flat" cmpd="sng" algn="ctr">
+                      <a:solidFill>
+                        <a:schemeClr val="tx1"/>
+                      </a:solidFill>
+                      <a:prstDash val="solid"/>
+                      <a:round/>
+                      <a:headEnd type="none" w="med" len="med"/>
+                      <a:tailEnd type="none" w="med" len="med"/>
+                    </a:lnR>
+                    <a:lnT w="12700" cap="flat" cmpd="sng" algn="ctr">
+                      <a:solidFill>
+                        <a:schemeClr val="tx1"/>
+                      </a:solidFill>
+                      <a:prstDash val="solid"/>
+                      <a:round/>
+                      <a:headEnd type="none" w="med" len="med"/>
+                      <a:tailEnd type="none" w="med" len="med"/>
+                    </a:lnT>
+                    <a:lnB w="12700" cap="flat" cmpd="sng" algn="ctr">
+                      <a:solidFill>
+                        <a:schemeClr val="tx1"/>
+                      </a:solidFill>
+                      <a:prstDash val="solid"/>
+                      <a:round/>
+                      <a:headEnd type="none" w="med" len="med"/>
+                      <a:tailEnd type="none" w="med" len="med"/>
+                    </a:lnB>
+                    <a:solidFill>
+                      <a:schemeClr val="accent2"/>
+                    </a:solidFill>
+                  </a:tcPr>
+                </a:tc>
+                <a:tc>
+                  <a:txBody>
+                    <a:bodyPr/>
+                    <a:lstStyle/>
+                    <a:p>
+                      <a:pPr algn="ctr"/>
+                      <a:r>
+                        <a:rPr lang="en-US" dirty="0" smtClean="0"/>
+                        <a:t>11</a:t>
+                      </a:r>
+                      <a:endParaRPr lang="en-US" dirty="0"/>
+                    </a:p>
+                  </a:txBody>
+                  <a:tcPr anchor="ctr">
+                    <a:lnL w="12700" cap="flat" cmpd="sng" algn="ctr">
+                      <a:solidFill>
+                        <a:schemeClr val="tx1"/>
+                      </a:solidFill>
+                      <a:prstDash val="solid"/>
+                      <a:round/>
+                      <a:headEnd type="none" w="med" len="med"/>
+                      <a:tailEnd type="none" w="med" len="med"/>
+                    </a:lnL>
+                    <a:lnR w="12700" cap="flat" cmpd="sng" algn="ctr">
+                      <a:solidFill>
+                        <a:schemeClr val="tx1"/>
+                      </a:solidFill>
+                      <a:prstDash val="solid"/>
+                      <a:round/>
+                      <a:headEnd type="none" w="med" len="med"/>
+                      <a:tailEnd type="none" w="med" len="med"/>
+                    </a:lnR>
+                    <a:lnT w="12700" cap="flat" cmpd="sng" algn="ctr">
+                      <a:solidFill>
+                        <a:schemeClr val="tx1"/>
+                      </a:solidFill>
+                      <a:prstDash val="solid"/>
+                      <a:round/>
+                      <a:headEnd type="none" w="med" len="med"/>
+                      <a:tailEnd type="none" w="med" len="med"/>
+                    </a:lnT>
+                    <a:lnB w="12700" cap="flat" cmpd="sng" algn="ctr">
+                      <a:solidFill>
+                        <a:schemeClr val="tx1"/>
+                      </a:solidFill>
+                      <a:prstDash val="solid"/>
+                      <a:round/>
+                      <a:headEnd type="none" w="med" len="med"/>
+                      <a:tailEnd type="none" w="med" len="med"/>
+                    </a:lnB>
+                    <a:solidFill>
+                      <a:srgbClr val="FFFF00"/>
+                    </a:solidFill>
+                  </a:tcPr>
+                </a:tc>
+                <a:tc>
+                  <a:txBody>
+                    <a:bodyPr/>
+                    <a:lstStyle/>
+                    <a:p>
+                      <a:pPr algn="ctr"/>
+                      <a:r>
+                        <a:rPr lang="en-US" dirty="0" smtClean="0"/>
+                        <a:t>18</a:t>
+                      </a:r>
+                      <a:endParaRPr lang="en-US" dirty="0"/>
+                    </a:p>
+                  </a:txBody>
+                  <a:tcPr anchor="ctr">
+                    <a:lnL w="12700" cap="flat" cmpd="sng" algn="ctr">
+                      <a:solidFill>
+                        <a:schemeClr val="tx1"/>
+                      </a:solidFill>
+                      <a:prstDash val="solid"/>
+                      <a:round/>
+                      <a:headEnd type="none" w="med" len="med"/>
+                      <a:tailEnd type="none" w="med" len="med"/>
+                    </a:lnL>
+                    <a:lnR w="12700" cap="flat" cmpd="sng" algn="ctr">
+                      <a:solidFill>
+                        <a:schemeClr val="tx1"/>
+                      </a:solidFill>
+                      <a:prstDash val="solid"/>
+                      <a:round/>
+                      <a:headEnd type="none" w="med" len="med"/>
+                      <a:tailEnd type="none" w="med" len="med"/>
+                    </a:lnR>
+                    <a:lnT w="12700" cap="flat" cmpd="sng" algn="ctr">
+                      <a:solidFill>
+                        <a:schemeClr val="tx1"/>
+                      </a:solidFill>
+                      <a:prstDash val="solid"/>
+                      <a:round/>
+                      <a:headEnd type="none" w="med" len="med"/>
+                      <a:tailEnd type="none" w="med" len="med"/>
+                    </a:lnT>
+                    <a:lnB w="12700" cap="flat" cmpd="sng" algn="ctr">
+                      <a:solidFill>
+                        <a:schemeClr val="tx1"/>
+                      </a:solidFill>
+                      <a:prstDash val="solid"/>
+                      <a:round/>
+                      <a:headEnd type="none" w="med" len="med"/>
+                      <a:tailEnd type="none" w="med" len="med"/>
+                    </a:lnB>
+                    <a:solidFill>
+                      <a:srgbClr val="92D050"/>
+                    </a:solidFill>
+                  </a:tcPr>
+                </a:tc>
+              </a:tr>
+              <a:tr h="376058">
+                <a:tc>
+                  <a:txBody>
+                    <a:bodyPr/>
+                    <a:lstStyle/>
+                    <a:p>
+                      <a:pPr algn="ctr"/>
+                      <a:r>
+                        <a:rPr lang="en-US" dirty="0" smtClean="0"/>
+                        <a:t>Remote</a:t>
+                      </a:r>
+                      <a:endParaRPr lang="en-US" dirty="0"/>
+                    </a:p>
+                  </a:txBody>
+                  <a:tcPr anchor="ctr">
+                    <a:lnL w="12700" cap="flat" cmpd="sng" algn="ctr">
+                      <a:solidFill>
+                        <a:schemeClr val="tx1"/>
+                      </a:solidFill>
+                      <a:prstDash val="solid"/>
+                      <a:round/>
+                      <a:headEnd type="none" w="med" len="med"/>
+                      <a:tailEnd type="none" w="med" len="med"/>
+                    </a:lnL>
+                    <a:lnR w="12700" cap="flat" cmpd="sng" algn="ctr">
+                      <a:solidFill>
+                        <a:schemeClr val="tx1"/>
+                      </a:solidFill>
+                      <a:prstDash val="solid"/>
+                      <a:round/>
+                      <a:headEnd type="none" w="med" len="med"/>
+                      <a:tailEnd type="none" w="med" len="med"/>
+                    </a:lnR>
+                    <a:lnT w="12700" cap="flat" cmpd="sng" algn="ctr">
+                      <a:solidFill>
+                        <a:schemeClr val="tx1"/>
+                      </a:solidFill>
+                      <a:prstDash val="solid"/>
+                      <a:round/>
+                      <a:headEnd type="none" w="med" len="med"/>
+                      <a:tailEnd type="none" w="med" len="med"/>
+                    </a:lnT>
+                    <a:lnB w="12700" cap="flat" cmpd="sng" algn="ctr">
+                      <a:solidFill>
+                        <a:schemeClr val="tx1"/>
+                      </a:solidFill>
+                      <a:prstDash val="solid"/>
+                      <a:round/>
+                      <a:headEnd type="none" w="med" len="med"/>
+                      <a:tailEnd type="none" w="med" len="med"/>
+                    </a:lnB>
+                  </a:tcPr>
+                </a:tc>
+                <a:tc>
+                  <a:txBody>
+                    <a:bodyPr/>
+                    <a:lstStyle/>
+                    <a:p>
+                      <a:pPr algn="ctr"/>
+                      <a:r>
+                        <a:rPr lang="en-US" dirty="0" smtClean="0"/>
+                        <a:t>8</a:t>
+                      </a:r>
+                      <a:endParaRPr lang="en-US" dirty="0"/>
+                    </a:p>
+                  </a:txBody>
+                  <a:tcPr anchor="ctr">
+                    <a:lnL w="12700" cap="flat" cmpd="sng" algn="ctr">
+                      <a:solidFill>
+                        <a:schemeClr val="tx1"/>
+                      </a:solidFill>
+                      <a:prstDash val="solid"/>
+                      <a:round/>
+                      <a:headEnd type="none" w="med" len="med"/>
+                      <a:tailEnd type="none" w="med" len="med"/>
+                    </a:lnL>
+                    <a:lnR w="12700" cap="flat" cmpd="sng" algn="ctr">
+                      <a:solidFill>
+                        <a:schemeClr val="tx1"/>
+                      </a:solidFill>
+                      <a:prstDash val="solid"/>
+                      <a:round/>
+                      <a:headEnd type="none" w="med" len="med"/>
+                      <a:tailEnd type="none" w="med" len="med"/>
+                    </a:lnR>
+                    <a:lnT w="12700" cap="flat" cmpd="sng" algn="ctr">
+                      <a:solidFill>
+                        <a:schemeClr val="tx1"/>
+                      </a:solidFill>
+                      <a:prstDash val="solid"/>
+                      <a:round/>
+                      <a:headEnd type="none" w="med" len="med"/>
+                      <a:tailEnd type="none" w="med" len="med"/>
+                    </a:lnT>
+                    <a:lnB w="12700" cap="flat" cmpd="sng" algn="ctr">
+                      <a:solidFill>
+                        <a:schemeClr val="tx1"/>
+                      </a:solidFill>
+                      <a:prstDash val="solid"/>
+                      <a:round/>
+                      <a:headEnd type="none" w="med" len="med"/>
+                      <a:tailEnd type="none" w="med" len="med"/>
+                    </a:lnB>
+                    <a:solidFill>
+                      <a:schemeClr val="accent2"/>
+                    </a:solidFill>
+                  </a:tcPr>
+                </a:tc>
+                <a:tc>
+                  <a:txBody>
+                    <a:bodyPr/>
+                    <a:lstStyle/>
+                    <a:p>
+                      <a:pPr algn="ctr"/>
+                      <a:r>
+                        <a:rPr lang="en-US" dirty="0" smtClean="0"/>
+                        <a:t>10</a:t>
+                      </a:r>
+                      <a:endParaRPr lang="en-US" dirty="0"/>
+                    </a:p>
+                  </a:txBody>
+                  <a:tcPr anchor="ctr">
+                    <a:lnL w="12700" cap="flat" cmpd="sng" algn="ctr">
+                      <a:solidFill>
+                        <a:schemeClr val="tx1"/>
+                      </a:solidFill>
+                      <a:prstDash val="solid"/>
+                      <a:round/>
+                      <a:headEnd type="none" w="med" len="med"/>
+                      <a:tailEnd type="none" w="med" len="med"/>
+                    </a:lnL>
+                    <a:lnR w="12700" cap="flat" cmpd="sng" algn="ctr">
+                      <a:solidFill>
+                        <a:schemeClr val="tx1"/>
+                      </a:solidFill>
+                      <a:prstDash val="solid"/>
+                      <a:round/>
+                      <a:headEnd type="none" w="med" len="med"/>
+                      <a:tailEnd type="none" w="med" len="med"/>
+                    </a:lnR>
+                    <a:lnT w="12700" cap="flat" cmpd="sng" algn="ctr">
+                      <a:solidFill>
+                        <a:schemeClr val="tx1"/>
+                      </a:solidFill>
+                      <a:prstDash val="solid"/>
+                      <a:round/>
+                      <a:headEnd type="none" w="med" len="med"/>
+                      <a:tailEnd type="none" w="med" len="med"/>
+                    </a:lnT>
+                    <a:lnB w="12700" cap="flat" cmpd="sng" algn="ctr">
+                      <a:solidFill>
+                        <a:schemeClr val="tx1"/>
+                      </a:solidFill>
+                      <a:prstDash val="solid"/>
+                      <a:round/>
+                      <a:headEnd type="none" w="med" len="med"/>
+                      <a:tailEnd type="none" w="med" len="med"/>
+                    </a:lnB>
+                    <a:solidFill>
+                      <a:srgbClr val="FFFF00"/>
+                    </a:solidFill>
+                  </a:tcPr>
+                </a:tc>
+                <a:tc>
+                  <a:txBody>
+                    <a:bodyPr/>
+                    <a:lstStyle/>
+                    <a:p>
+                      <a:pPr algn="ctr"/>
+                      <a:r>
+                        <a:rPr lang="en-US" dirty="0" smtClean="0"/>
+                        <a:t>14</a:t>
+                      </a:r>
+                      <a:endParaRPr lang="en-US" dirty="0"/>
+                    </a:p>
+                  </a:txBody>
+                  <a:tcPr anchor="ctr">
+                    <a:lnL w="12700" cap="flat" cmpd="sng" algn="ctr">
+                      <a:solidFill>
+                        <a:schemeClr val="tx1"/>
+                      </a:solidFill>
+                      <a:prstDash val="solid"/>
+                      <a:round/>
+                      <a:headEnd type="none" w="med" len="med"/>
+                      <a:tailEnd type="none" w="med" len="med"/>
+                    </a:lnL>
+                    <a:lnR w="12700" cap="flat" cmpd="sng" algn="ctr">
+                      <a:solidFill>
+                        <a:schemeClr val="tx1"/>
+                      </a:solidFill>
+                      <a:prstDash val="solid"/>
+                      <a:round/>
+                      <a:headEnd type="none" w="med" len="med"/>
+                      <a:tailEnd type="none" w="med" len="med"/>
+                    </a:lnR>
+                    <a:lnT w="12700" cap="flat" cmpd="sng" algn="ctr">
+                      <a:solidFill>
+                        <a:schemeClr val="tx1"/>
+                      </a:solidFill>
+                      <a:prstDash val="solid"/>
+                      <a:round/>
+                      <a:headEnd type="none" w="med" len="med"/>
+                      <a:tailEnd type="none" w="med" len="med"/>
+                    </a:lnT>
+                    <a:lnB w="12700" cap="flat" cmpd="sng" algn="ctr">
+                      <a:solidFill>
+                        <a:schemeClr val="tx1"/>
+                      </a:solidFill>
+                      <a:prstDash val="solid"/>
+                      <a:round/>
+                      <a:headEnd type="none" w="med" len="med"/>
+                      <a:tailEnd type="none" w="med" len="med"/>
+                    </a:lnB>
+                    <a:solidFill>
+                      <a:srgbClr val="FFFF00"/>
+                    </a:solidFill>
+                  </a:tcPr>
+                </a:tc>
+                <a:tc>
+                  <a:txBody>
+                    <a:bodyPr/>
+                    <a:lstStyle/>
+                    <a:p>
+                      <a:pPr algn="ctr"/>
+                      <a:r>
+                        <a:rPr lang="en-US" dirty="0" smtClean="0"/>
+                        <a:t>19</a:t>
+                      </a:r>
+                      <a:endParaRPr lang="en-US" dirty="0"/>
+                    </a:p>
+                  </a:txBody>
+                  <a:tcPr anchor="ctr">
+                    <a:lnL w="12700" cap="flat" cmpd="sng" algn="ctr">
+                      <a:solidFill>
+                        <a:schemeClr val="tx1"/>
+                      </a:solidFill>
+                      <a:prstDash val="solid"/>
+                      <a:round/>
+                      <a:headEnd type="none" w="med" len="med"/>
+                      <a:tailEnd type="none" w="med" len="med"/>
+                    </a:lnL>
+                    <a:lnR w="12700" cap="flat" cmpd="sng" algn="ctr">
+                      <a:solidFill>
+                        <a:schemeClr val="tx1"/>
+                      </a:solidFill>
+                      <a:prstDash val="solid"/>
+                      <a:round/>
+                      <a:headEnd type="none" w="med" len="med"/>
+                      <a:tailEnd type="none" w="med" len="med"/>
+                    </a:lnR>
+                    <a:lnT w="12700" cap="flat" cmpd="sng" algn="ctr">
+                      <a:solidFill>
+                        <a:schemeClr val="tx1"/>
+                      </a:solidFill>
+                      <a:prstDash val="solid"/>
+                      <a:round/>
+                      <a:headEnd type="none" w="med" len="med"/>
+                      <a:tailEnd type="none" w="med" len="med"/>
+                    </a:lnT>
+                    <a:lnB w="12700" cap="flat" cmpd="sng" algn="ctr">
+                      <a:solidFill>
+                        <a:schemeClr val="tx1"/>
+                      </a:solidFill>
+                      <a:prstDash val="solid"/>
+                      <a:round/>
+                      <a:headEnd type="none" w="med" len="med"/>
+                      <a:tailEnd type="none" w="med" len="med"/>
+                    </a:lnB>
+                    <a:solidFill>
+                      <a:srgbClr val="92D050"/>
+                    </a:solidFill>
+                  </a:tcPr>
+                </a:tc>
+              </a:tr>
+              <a:tr h="376058">
+                <a:tc>
+                  <a:txBody>
+                    <a:bodyPr/>
+                    <a:lstStyle/>
+                    <a:p>
+                      <a:pPr algn="ctr"/>
+                      <a:r>
+                        <a:rPr lang="en-US" dirty="0" smtClean="0"/>
+                        <a:t>Improbable</a:t>
+                      </a:r>
+                      <a:endParaRPr lang="en-US" dirty="0"/>
+                    </a:p>
+                  </a:txBody>
+                  <a:tcPr anchor="ctr">
+                    <a:lnL w="12700" cap="flat" cmpd="sng" algn="ctr">
+                      <a:solidFill>
+                        <a:schemeClr val="tx1"/>
+                      </a:solidFill>
+                      <a:prstDash val="solid"/>
+                      <a:round/>
+                      <a:headEnd type="none" w="med" len="med"/>
+                      <a:tailEnd type="none" w="med" len="med"/>
+                    </a:lnL>
+                    <a:lnR w="12700" cap="flat" cmpd="sng" algn="ctr">
+                      <a:solidFill>
+                        <a:schemeClr val="tx1"/>
+                      </a:solidFill>
+                      <a:prstDash val="solid"/>
+                      <a:round/>
+                      <a:headEnd type="none" w="med" len="med"/>
+                      <a:tailEnd type="none" w="med" len="med"/>
+                    </a:lnR>
+                    <a:lnT w="12700" cap="flat" cmpd="sng" algn="ctr">
+                      <a:solidFill>
+                        <a:schemeClr val="tx1"/>
+                      </a:solidFill>
+                      <a:prstDash val="solid"/>
+                      <a:round/>
+                      <a:headEnd type="none" w="med" len="med"/>
+                      <a:tailEnd type="none" w="med" len="med"/>
+                    </a:lnT>
+                    <a:lnB w="12700" cap="flat" cmpd="sng" algn="ctr">
+                      <a:solidFill>
+                        <a:schemeClr val="tx1"/>
+                      </a:solidFill>
+                      <a:prstDash val="solid"/>
+                      <a:round/>
+                      <a:headEnd type="none" w="med" len="med"/>
+                      <a:tailEnd type="none" w="med" len="med"/>
+                    </a:lnB>
+                  </a:tcPr>
+                </a:tc>
+                <a:tc>
+                  <a:txBody>
+                    <a:bodyPr/>
+                    <a:lstStyle/>
+                    <a:p>
+                      <a:pPr algn="ctr"/>
+                      <a:r>
+                        <a:rPr lang="en-US" dirty="0" smtClean="0"/>
+                        <a:t>12</a:t>
+                      </a:r>
+                      <a:endParaRPr lang="en-US" dirty="0"/>
+                    </a:p>
+                  </a:txBody>
+                  <a:tcPr anchor="ctr">
+                    <a:lnL w="12700" cap="flat" cmpd="sng" algn="ctr">
+                      <a:solidFill>
+                        <a:schemeClr val="tx1"/>
+                      </a:solidFill>
+                      <a:prstDash val="solid"/>
+                      <a:round/>
+                      <a:headEnd type="none" w="med" len="med"/>
+                      <a:tailEnd type="none" w="med" len="med"/>
+                    </a:lnL>
+                    <a:lnR w="12700" cap="flat" cmpd="sng" algn="ctr">
+                      <a:solidFill>
+                        <a:schemeClr val="tx1"/>
+                      </a:solidFill>
+                      <a:prstDash val="solid"/>
+                      <a:round/>
+                      <a:headEnd type="none" w="med" len="med"/>
+                      <a:tailEnd type="none" w="med" len="med"/>
+                    </a:lnR>
+                    <a:lnT w="12700" cap="flat" cmpd="sng" algn="ctr">
+                      <a:solidFill>
+                        <a:schemeClr val="tx1"/>
+                      </a:solidFill>
+                      <a:prstDash val="solid"/>
+                      <a:round/>
+                      <a:headEnd type="none" w="med" len="med"/>
+                      <a:tailEnd type="none" w="med" len="med"/>
+                    </a:lnT>
+                    <a:lnB w="12700" cap="flat" cmpd="sng" algn="ctr">
+                      <a:solidFill>
+                        <a:schemeClr val="tx1"/>
+                      </a:solidFill>
+                      <a:prstDash val="solid"/>
+                      <a:round/>
+                      <a:headEnd type="none" w="med" len="med"/>
+                      <a:tailEnd type="none" w="med" len="med"/>
+                    </a:lnB>
+                    <a:solidFill>
+                      <a:srgbClr val="FFFF00"/>
+                    </a:solidFill>
+                  </a:tcPr>
+                </a:tc>
+                <a:tc>
+                  <a:txBody>
+                    <a:bodyPr/>
+                    <a:lstStyle/>
+                    <a:p>
+                      <a:pPr algn="ctr"/>
+                      <a:r>
+                        <a:rPr lang="en-US" dirty="0" smtClean="0"/>
+                        <a:t>15</a:t>
+                      </a:r>
+                      <a:endParaRPr lang="en-US" dirty="0"/>
+                    </a:p>
+                  </a:txBody>
+                  <a:tcPr anchor="ctr">
+                    <a:lnL w="12700" cap="flat" cmpd="sng" algn="ctr">
+                      <a:solidFill>
+                        <a:schemeClr val="tx1"/>
+                      </a:solidFill>
+                      <a:prstDash val="solid"/>
+                      <a:round/>
+                      <a:headEnd type="none" w="med" len="med"/>
+                      <a:tailEnd type="none" w="med" len="med"/>
+                    </a:lnL>
+                    <a:lnR w="12700" cap="flat" cmpd="sng" algn="ctr">
+                      <a:solidFill>
+                        <a:schemeClr val="tx1"/>
+                      </a:solidFill>
+                      <a:prstDash val="solid"/>
+                      <a:round/>
+                      <a:headEnd type="none" w="med" len="med"/>
+                      <a:tailEnd type="none" w="med" len="med"/>
+                    </a:lnR>
+                    <a:lnT w="12700" cap="flat" cmpd="sng" algn="ctr">
+                      <a:solidFill>
+                        <a:schemeClr val="tx1"/>
+                      </a:solidFill>
+                      <a:prstDash val="solid"/>
+                      <a:round/>
+                      <a:headEnd type="none" w="med" len="med"/>
+                      <a:tailEnd type="none" w="med" len="med"/>
+                    </a:lnT>
+                    <a:lnB w="12700" cap="flat" cmpd="sng" algn="ctr">
+                      <a:solidFill>
+                        <a:schemeClr val="tx1"/>
+                      </a:solidFill>
+                      <a:prstDash val="solid"/>
+                      <a:round/>
+                      <a:headEnd type="none" w="med" len="med"/>
+                      <a:tailEnd type="none" w="med" len="med"/>
+                    </a:lnB>
+                    <a:solidFill>
+                      <a:srgbClr val="FFFF00"/>
+                    </a:solidFill>
+                  </a:tcPr>
+                </a:tc>
+                <a:tc>
+                  <a:txBody>
+                    <a:bodyPr/>
+                    <a:lstStyle/>
+                    <a:p>
+                      <a:pPr algn="ctr"/>
+                      <a:r>
+                        <a:rPr lang="en-US" dirty="0" smtClean="0"/>
+                        <a:t>17</a:t>
+                      </a:r>
+                      <a:endParaRPr lang="en-US" dirty="0"/>
+                    </a:p>
+                  </a:txBody>
+                  <a:tcPr anchor="ctr">
+                    <a:lnL w="12700" cap="flat" cmpd="sng" algn="ctr">
+                      <a:solidFill>
+                        <a:schemeClr val="tx1"/>
+                      </a:solidFill>
+                      <a:prstDash val="solid"/>
+                      <a:round/>
+                      <a:headEnd type="none" w="med" len="med"/>
+                      <a:tailEnd type="none" w="med" len="med"/>
+                    </a:lnL>
+                    <a:lnR w="12700" cap="flat" cmpd="sng" algn="ctr">
+                      <a:solidFill>
+                        <a:schemeClr val="tx1"/>
+                      </a:solidFill>
+                      <a:prstDash val="solid"/>
+                      <a:round/>
+                      <a:headEnd type="none" w="med" len="med"/>
+                      <a:tailEnd type="none" w="med" len="med"/>
+                    </a:lnR>
+                    <a:lnT w="12700" cap="flat" cmpd="sng" algn="ctr">
+                      <a:solidFill>
+                        <a:schemeClr val="tx1"/>
+                      </a:solidFill>
+                      <a:prstDash val="solid"/>
+                      <a:round/>
+                      <a:headEnd type="none" w="med" len="med"/>
+                      <a:tailEnd type="none" w="med" len="med"/>
+                    </a:lnT>
+                    <a:lnB w="12700" cap="flat" cmpd="sng" algn="ctr">
+                      <a:solidFill>
+                        <a:schemeClr val="tx1"/>
+                      </a:solidFill>
+                      <a:prstDash val="solid"/>
+                      <a:round/>
+                      <a:headEnd type="none" w="med" len="med"/>
+                      <a:tailEnd type="none" w="med" len="med"/>
+                    </a:lnB>
+                    <a:solidFill>
+                      <a:srgbClr val="92D050"/>
+                    </a:solidFill>
+                  </a:tcPr>
+                </a:tc>
+                <a:tc>
+                  <a:txBody>
+                    <a:bodyPr/>
+                    <a:lstStyle/>
+                    <a:p>
+                      <a:pPr algn="ctr"/>
+                      <a:r>
+                        <a:rPr lang="en-US" dirty="0" smtClean="0"/>
+                        <a:t>20</a:t>
+                      </a:r>
+                      <a:endParaRPr lang="en-US" dirty="0"/>
+                    </a:p>
+                  </a:txBody>
+                  <a:tcPr anchor="ctr">
+                    <a:lnL w="12700" cap="flat" cmpd="sng" algn="ctr">
+                      <a:solidFill>
+                        <a:schemeClr val="tx1"/>
+                      </a:solidFill>
+                      <a:prstDash val="solid"/>
+                      <a:round/>
+                      <a:headEnd type="none" w="med" len="med"/>
+                      <a:tailEnd type="none" w="med" len="med"/>
+                    </a:lnL>
+                    <a:lnR w="12700" cap="flat" cmpd="sng" algn="ctr">
+                      <a:solidFill>
+                        <a:schemeClr val="tx1"/>
+                      </a:solidFill>
+                      <a:prstDash val="solid"/>
+                      <a:round/>
+                      <a:headEnd type="none" w="med" len="med"/>
+                      <a:tailEnd type="none" w="med" len="med"/>
+                    </a:lnR>
+                    <a:lnT w="12700" cap="flat" cmpd="sng" algn="ctr">
+                      <a:solidFill>
+                        <a:schemeClr val="tx1"/>
+                      </a:solidFill>
+                      <a:prstDash val="solid"/>
+                      <a:round/>
+                      <a:headEnd type="none" w="med" len="med"/>
+                      <a:tailEnd type="none" w="med" len="med"/>
+                    </a:lnT>
+                    <a:lnB w="12700" cap="flat" cmpd="sng" algn="ctr">
+                      <a:solidFill>
+                        <a:schemeClr val="tx1"/>
+                      </a:solidFill>
+                      <a:prstDash val="solid"/>
+                      <a:round/>
+                      <a:headEnd type="none" w="med" len="med"/>
+                      <a:tailEnd type="none" w="med" len="med"/>
+                    </a:lnB>
+                    <a:solidFill>
+                      <a:srgbClr val="92D050"/>
+                    </a:solidFill>
+                  </a:tcPr>
+                </a:tc>
+              </a:tr>
+            </a:tbl>
+          </a:graphicData>
+        </a:graphic>
+      </p:graphicFrame>
+      <p:graphicFrame>
+        <p:nvGraphicFramePr>
+          <p:cNvPr id="9" name="表格 8"/>
+          <p:cNvGraphicFramePr>
+            <a:graphicFrameLocks noGrp="1"/>
+          </p:cNvGraphicFramePr>
+          <p:nvPr>
+            <p:extLst>
+              <p:ext uri="{D42A27DB-BD31-4B8C-83A1-F6EECF244321}">
+                <p14:modId xmlns:p14="http://schemas.microsoft.com/office/powerpoint/2010/main" val="3553596952"/>
+              </p:ext>
+            </p:extLst>
+          </p:nvPr>
+        </p:nvGraphicFramePr>
+        <p:xfrm>
+          <a:off x="1181100" y="3824816"/>
+          <a:ext cx="8724900" cy="1854200"/>
+        </p:xfrm>
+        <a:graphic>
+          <a:graphicData uri="http://schemas.openxmlformats.org/drawingml/2006/table">
+            <a:tbl>
+              <a:tblPr firstRow="1" bandRow="1">
+                <a:tableStyleId>{5C22544A-7EE6-4342-B048-85BDC9FD1C3A}</a:tableStyleId>
+              </a:tblPr>
+              <a:tblGrid>
+                <a:gridCol w="2114550"/>
+                <a:gridCol w="6610350"/>
+              </a:tblGrid>
+              <a:tr h="370840">
+                <a:tc>
+                  <a:txBody>
+                    <a:bodyPr/>
+                    <a:lstStyle/>
+                    <a:p>
+                      <a:pPr algn="ctr"/>
+                      <a:r>
+                        <a:rPr lang="en-US" dirty="0" smtClean="0"/>
+                        <a:t>Hazard</a:t>
+                      </a:r>
+                      <a:r>
+                        <a:rPr lang="en-US" baseline="0" dirty="0" smtClean="0"/>
+                        <a:t> Risk Index</a:t>
+                      </a:r>
+                      <a:endParaRPr lang="en-US" dirty="0"/>
+                    </a:p>
+                  </a:txBody>
+                  <a:tcPr anchor="ctr">
+                    <a:lnL w="12700" cap="flat" cmpd="sng" algn="ctr">
+                      <a:solidFill>
+                        <a:schemeClr val="tx1"/>
+                      </a:solidFill>
+                      <a:prstDash val="solid"/>
+                      <a:round/>
+                      <a:headEnd type="none" w="med" len="med"/>
+                      <a:tailEnd type="none" w="med" len="med"/>
+                    </a:lnL>
+                    <a:lnR w="12700" cap="flat" cmpd="sng" algn="ctr">
+                      <a:solidFill>
+                        <a:schemeClr val="tx1"/>
+                      </a:solidFill>
+                      <a:prstDash val="solid"/>
+                      <a:round/>
+                      <a:headEnd type="none" w="med" len="med"/>
+                      <a:tailEnd type="none" w="med" len="med"/>
+                    </a:lnR>
+                    <a:lnT w="12700" cap="flat" cmpd="sng" algn="ctr">
+                      <a:solidFill>
+                        <a:schemeClr val="tx1"/>
+                      </a:solidFill>
+                      <a:prstDash val="solid"/>
+                      <a:round/>
+                      <a:headEnd type="none" w="med" len="med"/>
+                      <a:tailEnd type="none" w="med" len="med"/>
+                    </a:lnT>
+                    <a:lnB w="12700" cap="flat" cmpd="sng" algn="ctr">
+                      <a:solidFill>
+                        <a:schemeClr val="tx1"/>
+                      </a:solidFill>
+                      <a:prstDash val="solid"/>
+                      <a:round/>
+                      <a:headEnd type="none" w="med" len="med"/>
+                      <a:tailEnd type="none" w="med" len="med"/>
+                    </a:lnB>
+                  </a:tcPr>
+                </a:tc>
+                <a:tc>
+                  <a:txBody>
+                    <a:bodyPr/>
+                    <a:lstStyle/>
+                    <a:p>
+                      <a:pPr algn="ctr"/>
+                      <a:r>
+                        <a:rPr lang="en-US" dirty="0" smtClean="0"/>
+                        <a:t>Acceptance Criteria</a:t>
+                      </a:r>
+                      <a:endParaRPr lang="en-US" dirty="0"/>
+                    </a:p>
+                  </a:txBody>
+                  <a:tcPr anchor="ctr">
+                    <a:lnL w="12700" cap="flat" cmpd="sng" algn="ctr">
+                      <a:solidFill>
+                        <a:schemeClr val="tx1"/>
+                      </a:solidFill>
+                      <a:prstDash val="solid"/>
+                      <a:round/>
+                      <a:headEnd type="none" w="med" len="med"/>
+                      <a:tailEnd type="none" w="med" len="med"/>
+                    </a:lnL>
+                    <a:lnR w="12700" cap="flat" cmpd="sng" algn="ctr">
+                      <a:solidFill>
+                        <a:schemeClr val="tx1"/>
+                      </a:solidFill>
+                      <a:prstDash val="solid"/>
+                      <a:round/>
+                      <a:headEnd type="none" w="med" len="med"/>
+                      <a:tailEnd type="none" w="med" len="med"/>
+                    </a:lnR>
+                    <a:lnT w="12700" cap="flat" cmpd="sng" algn="ctr">
+                      <a:solidFill>
+                        <a:schemeClr val="tx1"/>
+                      </a:solidFill>
+                      <a:prstDash val="solid"/>
+                      <a:round/>
+                      <a:headEnd type="none" w="med" len="med"/>
+                      <a:tailEnd type="none" w="med" len="med"/>
+                    </a:lnT>
+                    <a:lnB w="12700" cap="flat" cmpd="sng" algn="ctr">
+                      <a:solidFill>
+                        <a:schemeClr val="tx1"/>
+                      </a:solidFill>
+                      <a:prstDash val="solid"/>
+                      <a:round/>
+                      <a:headEnd type="none" w="med" len="med"/>
+                      <a:tailEnd type="none" w="med" len="med"/>
+                    </a:lnB>
+                  </a:tcPr>
+                </a:tc>
+              </a:tr>
+              <a:tr h="370840">
+                <a:tc>
+                  <a:txBody>
+                    <a:bodyPr/>
+                    <a:lstStyle/>
+                    <a:p>
+                      <a:pPr algn="ctr"/>
+                      <a:r>
+                        <a:rPr lang="en-US" dirty="0" smtClean="0"/>
+                        <a:t>1 to 5</a:t>
+                      </a:r>
+                      <a:endParaRPr lang="en-US" dirty="0"/>
+                    </a:p>
+                  </a:txBody>
+                  <a:tcPr anchor="ctr">
+                    <a:lnL w="12700" cap="flat" cmpd="sng" algn="ctr">
+                      <a:solidFill>
+                        <a:schemeClr val="tx1"/>
+                      </a:solidFill>
+                      <a:prstDash val="solid"/>
+                      <a:round/>
+                      <a:headEnd type="none" w="med" len="med"/>
+                      <a:tailEnd type="none" w="med" len="med"/>
+                    </a:lnL>
+                    <a:lnR w="12700" cap="flat" cmpd="sng" algn="ctr">
+                      <a:solidFill>
+                        <a:schemeClr val="tx1"/>
+                      </a:solidFill>
+                      <a:prstDash val="solid"/>
+                      <a:round/>
+                      <a:headEnd type="none" w="med" len="med"/>
+                      <a:tailEnd type="none" w="med" len="med"/>
+                    </a:lnR>
+                    <a:lnT w="12700" cap="flat" cmpd="sng" algn="ctr">
+                      <a:solidFill>
+                        <a:schemeClr val="tx1"/>
+                      </a:solidFill>
+                      <a:prstDash val="solid"/>
+                      <a:round/>
+                      <a:headEnd type="none" w="med" len="med"/>
+                      <a:tailEnd type="none" w="med" len="med"/>
+                    </a:lnT>
+                    <a:lnB w="12700" cap="flat" cmpd="sng" algn="ctr">
+                      <a:solidFill>
+                        <a:schemeClr val="tx1"/>
+                      </a:solidFill>
+                      <a:prstDash val="solid"/>
+                      <a:round/>
+                      <a:headEnd type="none" w="med" len="med"/>
+                      <a:tailEnd type="none" w="med" len="med"/>
+                    </a:lnB>
+                    <a:solidFill>
+                      <a:srgbClr val="FF0000"/>
+                    </a:solidFill>
+                  </a:tcPr>
+                </a:tc>
+                <a:tc>
+                  <a:txBody>
+                    <a:bodyPr/>
+                    <a:lstStyle/>
+                    <a:p>
+                      <a:pPr algn="ctr"/>
+                      <a:r>
+                        <a:rPr lang="en-US" dirty="0" smtClean="0"/>
+                        <a:t>Unacceptable</a:t>
+                      </a:r>
+                      <a:endParaRPr lang="en-US" dirty="0"/>
+                    </a:p>
+                  </a:txBody>
+                  <a:tcPr anchor="ctr">
+                    <a:lnL w="12700" cap="flat" cmpd="sng" algn="ctr">
+                      <a:solidFill>
+                        <a:schemeClr val="tx1"/>
+                      </a:solidFill>
+                      <a:prstDash val="solid"/>
+                      <a:round/>
+                      <a:headEnd type="none" w="med" len="med"/>
+                      <a:tailEnd type="none" w="med" len="med"/>
+                    </a:lnL>
+                    <a:lnR w="12700" cap="flat" cmpd="sng" algn="ctr">
+                      <a:solidFill>
+                        <a:schemeClr val="tx1"/>
+                      </a:solidFill>
+                      <a:prstDash val="solid"/>
+                      <a:round/>
+                      <a:headEnd type="none" w="med" len="med"/>
+                      <a:tailEnd type="none" w="med" len="med"/>
+                    </a:lnR>
+                    <a:lnT w="12700" cap="flat" cmpd="sng" algn="ctr">
+                      <a:solidFill>
+                        <a:schemeClr val="tx1"/>
+                      </a:solidFill>
+                      <a:prstDash val="solid"/>
+                      <a:round/>
+                      <a:headEnd type="none" w="med" len="med"/>
+                      <a:tailEnd type="none" w="med" len="med"/>
+                    </a:lnT>
+                    <a:lnB w="12700" cap="flat" cmpd="sng" algn="ctr">
+                      <a:solidFill>
+                        <a:schemeClr val="tx1"/>
+                      </a:solidFill>
+                      <a:prstDash val="solid"/>
+                      <a:round/>
+                      <a:headEnd type="none" w="med" len="med"/>
+                      <a:tailEnd type="none" w="med" len="med"/>
+                    </a:lnB>
+                  </a:tcPr>
+                </a:tc>
+              </a:tr>
+              <a:tr h="370840">
+                <a:tc>
+                  <a:txBody>
+                    <a:bodyPr/>
+                    <a:lstStyle/>
+                    <a:p>
+                      <a:pPr algn="ctr"/>
+                      <a:r>
+                        <a:rPr lang="en-US" dirty="0" smtClean="0"/>
+                        <a:t>6</a:t>
+                      </a:r>
+                      <a:r>
+                        <a:rPr lang="en-US" baseline="0" dirty="0" smtClean="0"/>
+                        <a:t> to 9</a:t>
+                      </a:r>
+                      <a:endParaRPr lang="en-US" dirty="0"/>
+                    </a:p>
+                  </a:txBody>
+                  <a:tcPr anchor="ctr">
+                    <a:lnL w="12700" cap="flat" cmpd="sng" algn="ctr">
+                      <a:solidFill>
+                        <a:schemeClr val="tx1"/>
+                      </a:solidFill>
+                      <a:prstDash val="solid"/>
+                      <a:round/>
+                      <a:headEnd type="none" w="med" len="med"/>
+                      <a:tailEnd type="none" w="med" len="med"/>
+                    </a:lnL>
+                    <a:lnR w="12700" cap="flat" cmpd="sng" algn="ctr">
+                      <a:solidFill>
+                        <a:schemeClr val="tx1"/>
+                      </a:solidFill>
+                      <a:prstDash val="solid"/>
+                      <a:round/>
+                      <a:headEnd type="none" w="med" len="med"/>
+                      <a:tailEnd type="none" w="med" len="med"/>
+                    </a:lnR>
+                    <a:lnT w="12700" cap="flat" cmpd="sng" algn="ctr">
+                      <a:solidFill>
+                        <a:schemeClr val="tx1"/>
+                      </a:solidFill>
+                      <a:prstDash val="solid"/>
+                      <a:round/>
+                      <a:headEnd type="none" w="med" len="med"/>
+                      <a:tailEnd type="none" w="med" len="med"/>
+                    </a:lnT>
+                    <a:lnB w="12700" cap="flat" cmpd="sng" algn="ctr">
+                      <a:solidFill>
+                        <a:schemeClr val="tx1"/>
+                      </a:solidFill>
+                      <a:prstDash val="solid"/>
+                      <a:round/>
+                      <a:headEnd type="none" w="med" len="med"/>
+                      <a:tailEnd type="none" w="med" len="med"/>
+                    </a:lnB>
+                    <a:solidFill>
+                      <a:schemeClr val="accent2"/>
+                    </a:solidFill>
+                  </a:tcPr>
+                </a:tc>
+                <a:tc>
+                  <a:txBody>
+                    <a:bodyPr/>
+                    <a:lstStyle/>
+                    <a:p>
+                      <a:pPr algn="ctr"/>
+                      <a:r>
+                        <a:rPr lang="en-US" dirty="0" smtClean="0"/>
+                        <a:t>Undesirable: Written and reviewed decision required</a:t>
+                      </a:r>
+                      <a:endParaRPr lang="en-US" dirty="0"/>
+                    </a:p>
+                  </a:txBody>
+                  <a:tcPr anchor="ctr">
+                    <a:lnL w="12700" cap="flat" cmpd="sng" algn="ctr">
+                      <a:solidFill>
+                        <a:schemeClr val="tx1"/>
+                      </a:solidFill>
+                      <a:prstDash val="solid"/>
+                      <a:round/>
+                      <a:headEnd type="none" w="med" len="med"/>
+                      <a:tailEnd type="none" w="med" len="med"/>
+                    </a:lnL>
+                    <a:lnR w="12700" cap="flat" cmpd="sng" algn="ctr">
+                      <a:solidFill>
+                        <a:schemeClr val="tx1"/>
+                      </a:solidFill>
+                      <a:prstDash val="solid"/>
+                      <a:round/>
+                      <a:headEnd type="none" w="med" len="med"/>
+                      <a:tailEnd type="none" w="med" len="med"/>
+                    </a:lnR>
+                    <a:lnT w="12700" cap="flat" cmpd="sng" algn="ctr">
+                      <a:solidFill>
+                        <a:schemeClr val="tx1"/>
+                      </a:solidFill>
+                      <a:prstDash val="solid"/>
+                      <a:round/>
+                      <a:headEnd type="none" w="med" len="med"/>
+                      <a:tailEnd type="none" w="med" len="med"/>
+                    </a:lnT>
+                    <a:lnB w="12700" cap="flat" cmpd="sng" algn="ctr">
+                      <a:solidFill>
+                        <a:schemeClr val="tx1"/>
+                      </a:solidFill>
+                      <a:prstDash val="solid"/>
+                      <a:round/>
+                      <a:headEnd type="none" w="med" len="med"/>
+                      <a:tailEnd type="none" w="med" len="med"/>
+                    </a:lnB>
+                  </a:tcPr>
+                </a:tc>
+              </a:tr>
+              <a:tr h="370840">
+                <a:tc>
+                  <a:txBody>
+                    <a:bodyPr/>
+                    <a:lstStyle/>
+                    <a:p>
+                      <a:pPr algn="ctr"/>
+                      <a:r>
+                        <a:rPr lang="en-US" dirty="0" smtClean="0"/>
+                        <a:t>10</a:t>
+                      </a:r>
+                      <a:r>
+                        <a:rPr lang="en-US" baseline="0" dirty="0" smtClean="0"/>
+                        <a:t> to 16</a:t>
+                      </a:r>
+                      <a:endParaRPr lang="en-US" dirty="0"/>
+                    </a:p>
+                  </a:txBody>
+                  <a:tcPr anchor="ctr">
+                    <a:lnL w="12700" cap="flat" cmpd="sng" algn="ctr">
+                      <a:solidFill>
+                        <a:schemeClr val="tx1"/>
+                      </a:solidFill>
+                      <a:prstDash val="solid"/>
+                      <a:round/>
+                      <a:headEnd type="none" w="med" len="med"/>
+                      <a:tailEnd type="none" w="med" len="med"/>
+                    </a:lnL>
+                    <a:lnR w="12700" cap="flat" cmpd="sng" algn="ctr">
+                      <a:solidFill>
+                        <a:schemeClr val="tx1"/>
+                      </a:solidFill>
+                      <a:prstDash val="solid"/>
+                      <a:round/>
+                      <a:headEnd type="none" w="med" len="med"/>
+                      <a:tailEnd type="none" w="med" len="med"/>
+                    </a:lnR>
+                    <a:lnT w="12700" cap="flat" cmpd="sng" algn="ctr">
+                      <a:solidFill>
+                        <a:schemeClr val="tx1"/>
+                      </a:solidFill>
+                      <a:prstDash val="solid"/>
+                      <a:round/>
+                      <a:headEnd type="none" w="med" len="med"/>
+                      <a:tailEnd type="none" w="med" len="med"/>
+                    </a:lnT>
+                    <a:lnB w="12700" cap="flat" cmpd="sng" algn="ctr">
+                      <a:solidFill>
+                        <a:schemeClr val="tx1"/>
+                      </a:solidFill>
+                      <a:prstDash val="solid"/>
+                      <a:round/>
+                      <a:headEnd type="none" w="med" len="med"/>
+                      <a:tailEnd type="none" w="med" len="med"/>
+                    </a:lnB>
+                    <a:solidFill>
+                      <a:srgbClr val="FFFF00"/>
+                    </a:solidFill>
+                  </a:tcPr>
+                </a:tc>
+                <a:tc>
+                  <a:txBody>
+                    <a:bodyPr/>
+                    <a:lstStyle/>
+                    <a:p>
+                      <a:pPr algn="ctr"/>
+                      <a:r>
+                        <a:rPr lang="en-US" dirty="0" smtClean="0"/>
+                        <a:t>Acceptable</a:t>
+                      </a:r>
+                      <a:r>
+                        <a:rPr lang="en-US" baseline="0" dirty="0" smtClean="0"/>
+                        <a:t> upon completion of quality assurance review</a:t>
+                      </a:r>
+                      <a:endParaRPr lang="en-US" dirty="0"/>
+                    </a:p>
+                  </a:txBody>
+                  <a:tcPr anchor="ctr">
+                    <a:lnL w="12700" cap="flat" cmpd="sng" algn="ctr">
+                      <a:solidFill>
+                        <a:schemeClr val="tx1"/>
+                      </a:solidFill>
+                      <a:prstDash val="solid"/>
+                      <a:round/>
+                      <a:headEnd type="none" w="med" len="med"/>
+                      <a:tailEnd type="none" w="med" len="med"/>
+                    </a:lnL>
+                    <a:lnR w="12700" cap="flat" cmpd="sng" algn="ctr">
+                      <a:solidFill>
+                        <a:schemeClr val="tx1"/>
+                      </a:solidFill>
+                      <a:prstDash val="solid"/>
+                      <a:round/>
+                      <a:headEnd type="none" w="med" len="med"/>
+                      <a:tailEnd type="none" w="med" len="med"/>
+                    </a:lnR>
+                    <a:lnT w="12700" cap="flat" cmpd="sng" algn="ctr">
+                      <a:solidFill>
+                        <a:schemeClr val="tx1"/>
+                      </a:solidFill>
+                      <a:prstDash val="solid"/>
+                      <a:round/>
+                      <a:headEnd type="none" w="med" len="med"/>
+                      <a:tailEnd type="none" w="med" len="med"/>
+                    </a:lnT>
+                    <a:lnB w="12700" cap="flat" cmpd="sng" algn="ctr">
+                      <a:solidFill>
+                        <a:schemeClr val="tx1"/>
+                      </a:solidFill>
+                      <a:prstDash val="solid"/>
+                      <a:round/>
+                      <a:headEnd type="none" w="med" len="med"/>
+                      <a:tailEnd type="none" w="med" len="med"/>
+                    </a:lnB>
+                  </a:tcPr>
+                </a:tc>
+              </a:tr>
+              <a:tr h="370840">
+                <a:tc>
+                  <a:txBody>
+                    <a:bodyPr/>
+                    <a:lstStyle/>
+                    <a:p>
+                      <a:pPr algn="ctr"/>
+                      <a:r>
+                        <a:rPr lang="en-US" dirty="0" smtClean="0"/>
+                        <a:t>17 to 20</a:t>
+                      </a:r>
+                      <a:endParaRPr lang="en-US" dirty="0"/>
+                    </a:p>
+                  </a:txBody>
+                  <a:tcPr anchor="ctr">
+                    <a:lnL w="12700" cap="flat" cmpd="sng" algn="ctr">
+                      <a:solidFill>
+                        <a:schemeClr val="tx1"/>
+                      </a:solidFill>
+                      <a:prstDash val="solid"/>
+                      <a:round/>
+                      <a:headEnd type="none" w="med" len="med"/>
+                      <a:tailEnd type="none" w="med" len="med"/>
+                    </a:lnL>
+                    <a:lnR w="12700" cap="flat" cmpd="sng" algn="ctr">
+                      <a:solidFill>
+                        <a:schemeClr val="tx1"/>
+                      </a:solidFill>
+                      <a:prstDash val="solid"/>
+                      <a:round/>
+                      <a:headEnd type="none" w="med" len="med"/>
+                      <a:tailEnd type="none" w="med" len="med"/>
+                    </a:lnR>
+                    <a:lnT w="12700" cap="flat" cmpd="sng" algn="ctr">
+                      <a:solidFill>
+                        <a:schemeClr val="tx1"/>
+                      </a:solidFill>
+                      <a:prstDash val="solid"/>
+                      <a:round/>
+                      <a:headEnd type="none" w="med" len="med"/>
+                      <a:tailEnd type="none" w="med" len="med"/>
+                    </a:lnT>
+                    <a:lnB w="12700" cap="flat" cmpd="sng" algn="ctr">
+                      <a:solidFill>
+                        <a:schemeClr val="tx1"/>
+                      </a:solidFill>
+                      <a:prstDash val="solid"/>
+                      <a:round/>
+                      <a:headEnd type="none" w="med" len="med"/>
+                      <a:tailEnd type="none" w="med" len="med"/>
+                    </a:lnB>
+                    <a:solidFill>
+                      <a:srgbClr val="92D050"/>
+                    </a:solidFill>
+                  </a:tcPr>
+                </a:tc>
+                <a:tc>
+                  <a:txBody>
+                    <a:bodyPr/>
+                    <a:lstStyle/>
+                    <a:p>
+                      <a:pPr algn="ctr"/>
+                      <a:r>
+                        <a:rPr lang="en-US" dirty="0" smtClean="0"/>
+                        <a:t>Acceptable without review</a:t>
+                      </a:r>
+                      <a:endParaRPr lang="en-US" dirty="0"/>
+                    </a:p>
+                  </a:txBody>
+                  <a:tcPr anchor="ctr">
+                    <a:lnL w="12700" cap="flat" cmpd="sng" algn="ctr">
+                      <a:solidFill>
+                        <a:schemeClr val="tx1"/>
+                      </a:solidFill>
+                      <a:prstDash val="solid"/>
+                      <a:round/>
+                      <a:headEnd type="none" w="med" len="med"/>
+                      <a:tailEnd type="none" w="med" len="med"/>
+                    </a:lnL>
+                    <a:lnR w="12700" cap="flat" cmpd="sng" algn="ctr">
+                      <a:solidFill>
+                        <a:schemeClr val="tx1"/>
+                      </a:solidFill>
+                      <a:prstDash val="solid"/>
+                      <a:round/>
+                      <a:headEnd type="none" w="med" len="med"/>
+                      <a:tailEnd type="none" w="med" len="med"/>
+                    </a:lnR>
+                    <a:lnT w="12700" cap="flat" cmpd="sng" algn="ctr">
+                      <a:solidFill>
+                        <a:schemeClr val="tx1"/>
+                      </a:solidFill>
+                      <a:prstDash val="solid"/>
+                      <a:round/>
+                      <a:headEnd type="none" w="med" len="med"/>
+                      <a:tailEnd type="none" w="med" len="med"/>
+                    </a:lnT>
+                    <a:lnB w="12700" cap="flat" cmpd="sng" algn="ctr">
+                      <a:solidFill>
+                        <a:schemeClr val="tx1"/>
+                      </a:solidFill>
+                      <a:prstDash val="solid"/>
+                      <a:round/>
+                      <a:headEnd type="none" w="med" len="med"/>
+                      <a:tailEnd type="none" w="med" len="med"/>
+                    </a:lnB>
+                  </a:tcPr>
+                </a:tc>
+              </a:tr>
+            </a:tbl>
+          </a:graphicData>
+        </a:graphic>
+      </p:graphicFrame>
     </p:spTree>
     <p:extLst>
       <p:ext uri="{BB962C8B-B14F-4D97-AF65-F5344CB8AC3E}">
-        <p14:creationId xmlns:p14="http://schemas.microsoft.com/office/powerpoint/2010/main" val="3113919321"/>
+        <p14:creationId xmlns:p14="http://schemas.microsoft.com/office/powerpoint/2010/main" val="844902219"/>
       </p:ext>
     </p:extLst>
   </p:cSld>
